--- a/Seminarium Dyplomowe/SeminariumDyplomowe_PracaDyplomowa.pptx
+++ b/Seminarium Dyplomowe/SeminariumDyplomowe_PracaDyplomowa.pptx
@@ -4,25 +4,25 @@
   <p:sldMasterIdLst>
     <p:sldMasterId id="2147483649" r:id="rId1"/>
   </p:sldMasterIdLst>
+  <p:notesMasterIdLst>
+    <p:notesMasterId r:id="rId17"/>
+  </p:notesMasterIdLst>
   <p:sldIdLst>
     <p:sldId id="256" r:id="rId2"/>
     <p:sldId id="257" r:id="rId3"/>
     <p:sldId id="258" r:id="rId4"/>
-    <p:sldId id="275" r:id="rId5"/>
-    <p:sldId id="272" r:id="rId6"/>
-    <p:sldId id="259" r:id="rId7"/>
-    <p:sldId id="273" r:id="rId8"/>
+    <p:sldId id="262" r:id="rId5"/>
+    <p:sldId id="276" r:id="rId6"/>
+    <p:sldId id="277" r:id="rId7"/>
+    <p:sldId id="278" r:id="rId8"/>
     <p:sldId id="274" r:id="rId9"/>
-    <p:sldId id="263" r:id="rId10"/>
-    <p:sldId id="264" r:id="rId11"/>
-    <p:sldId id="266" r:id="rId12"/>
-    <p:sldId id="267" r:id="rId13"/>
-    <p:sldId id="271" r:id="rId14"/>
-    <p:sldId id="262" r:id="rId15"/>
-    <p:sldId id="269" r:id="rId16"/>
-    <p:sldId id="270" r:id="rId17"/>
-    <p:sldId id="268" r:id="rId18"/>
-    <p:sldId id="261" r:id="rId19"/>
+    <p:sldId id="279" r:id="rId10"/>
+    <p:sldId id="280" r:id="rId11"/>
+    <p:sldId id="272" r:id="rId12"/>
+    <p:sldId id="259" r:id="rId13"/>
+    <p:sldId id="270" r:id="rId14"/>
+    <p:sldId id="268" r:id="rId15"/>
+    <p:sldId id="261" r:id="rId16"/>
   </p:sldIdLst>
   <p:sldSz cx="9144000" cy="6858000" type="screen4x3"/>
   <p:notesSz cx="6562725" cy="8686800"/>
@@ -168,6 +168,440 @@
     </p:ext>
   </p:extLst>
 </p:presentation>
+</file>
+
+<file path=ppt/notesMasters/notesMaster1.xml><?xml version="1.0" encoding="utf-8"?>
+<p:notesMaster xmlns:a="http://schemas.openxmlformats.org/drawingml/2006/main" xmlns:r="http://schemas.openxmlformats.org/officeDocument/2006/relationships" xmlns:p="http://schemas.openxmlformats.org/presentationml/2006/main">
+  <p:cSld>
+    <p:bg>
+      <p:bgRef idx="1001">
+        <a:schemeClr val="bg1"/>
+      </p:bgRef>
+    </p:bg>
+    <p:spTree>
+      <p:nvGrpSpPr>
+        <p:cNvPr id="1" name=""/>
+        <p:cNvGrpSpPr/>
+        <p:nvPr/>
+      </p:nvGrpSpPr>
+      <p:grpSpPr>
+        <a:xfrm>
+          <a:off x="0" y="0"/>
+          <a:ext cx="0" cy="0"/>
+          <a:chOff x="0" y="0"/>
+          <a:chExt cx="0" cy="0"/>
+        </a:xfrm>
+      </p:grpSpPr>
+      <p:sp>
+        <p:nvSpPr>
+          <p:cNvPr id="2" name="Header Placeholder 1"/>
+          <p:cNvSpPr>
+            <a:spLocks noGrp="1"/>
+          </p:cNvSpPr>
+          <p:nvPr>
+            <p:ph type="hdr" sz="quarter"/>
+          </p:nvPr>
+        </p:nvSpPr>
+        <p:spPr>
+          <a:xfrm>
+            <a:off x="0" y="0"/>
+            <a:ext cx="2843213" cy="434975"/>
+          </a:xfrm>
+          <a:prstGeom prst="rect">
+            <a:avLst/>
+          </a:prstGeom>
+        </p:spPr>
+        <p:txBody>
+          <a:bodyPr vert="horz" lIns="91440" tIns="45720" rIns="91440" bIns="45720" rtlCol="0"/>
+          <a:lstStyle>
+            <a:lvl1pPr algn="l">
+              <a:defRPr sz="1200"/>
+            </a:lvl1pPr>
+          </a:lstStyle>
+          <a:p>
+            <a:endParaRPr lang="pl-PL"/>
+          </a:p>
+        </p:txBody>
+      </p:sp>
+      <p:sp>
+        <p:nvSpPr>
+          <p:cNvPr id="3" name="Date Placeholder 2"/>
+          <p:cNvSpPr>
+            <a:spLocks noGrp="1"/>
+          </p:cNvSpPr>
+          <p:nvPr>
+            <p:ph type="dt" idx="1"/>
+          </p:nvPr>
+        </p:nvSpPr>
+        <p:spPr>
+          <a:xfrm>
+            <a:off x="3717925" y="0"/>
+            <a:ext cx="2843213" cy="434975"/>
+          </a:xfrm>
+          <a:prstGeom prst="rect">
+            <a:avLst/>
+          </a:prstGeom>
+        </p:spPr>
+        <p:txBody>
+          <a:bodyPr vert="horz" lIns="91440" tIns="45720" rIns="91440" bIns="45720" rtlCol="0"/>
+          <a:lstStyle>
+            <a:lvl1pPr algn="r">
+              <a:defRPr sz="1200"/>
+            </a:lvl1pPr>
+          </a:lstStyle>
+          <a:p>
+            <a:fld id="{06514423-A060-41A4-B8BB-CF39DFBBC888}" type="datetimeFigureOut">
+              <a:rPr lang="pl-PL" smtClean="0"/>
+              <a:t>03.12.2019</a:t>
+            </a:fld>
+            <a:endParaRPr lang="pl-PL"/>
+          </a:p>
+        </p:txBody>
+      </p:sp>
+      <p:sp>
+        <p:nvSpPr>
+          <p:cNvPr id="4" name="Slide Image Placeholder 3"/>
+          <p:cNvSpPr>
+            <a:spLocks noGrp="1" noRot="1" noChangeAspect="1"/>
+          </p:cNvSpPr>
+          <p:nvPr>
+            <p:ph type="sldImg" idx="2"/>
+          </p:nvPr>
+        </p:nvSpPr>
+        <p:spPr>
+          <a:xfrm>
+            <a:off x="1327150" y="1085850"/>
+            <a:ext cx="3908425" cy="2932113"/>
+          </a:xfrm>
+          <a:prstGeom prst="rect">
+            <a:avLst/>
+          </a:prstGeom>
+          <a:noFill/>
+          <a:ln w="12700">
+            <a:solidFill>
+              <a:prstClr val="black"/>
+            </a:solidFill>
+          </a:ln>
+        </p:spPr>
+        <p:txBody>
+          <a:bodyPr vert="horz" lIns="91440" tIns="45720" rIns="91440" bIns="45720" rtlCol="0" anchor="ctr"/>
+          <a:lstStyle/>
+          <a:p>
+            <a:endParaRPr lang="pl-PL"/>
+          </a:p>
+        </p:txBody>
+      </p:sp>
+      <p:sp>
+        <p:nvSpPr>
+          <p:cNvPr id="5" name="Notes Placeholder 4"/>
+          <p:cNvSpPr>
+            <a:spLocks noGrp="1"/>
+          </p:cNvSpPr>
+          <p:nvPr>
+            <p:ph type="body" sz="quarter" idx="3"/>
+          </p:nvPr>
+        </p:nvSpPr>
+        <p:spPr>
+          <a:xfrm>
+            <a:off x="655638" y="4179888"/>
+            <a:ext cx="5251450" cy="3421062"/>
+          </a:xfrm>
+          <a:prstGeom prst="rect">
+            <a:avLst/>
+          </a:prstGeom>
+        </p:spPr>
+        <p:txBody>
+          <a:bodyPr vert="horz" lIns="91440" tIns="45720" rIns="91440" bIns="45720" rtlCol="0"/>
+          <a:lstStyle/>
+          <a:p>
+            <a:pPr lvl="0"/>
+            <a:r>
+              <a:rPr lang="en-US"/>
+              <a:t>Click to edit Master text styles</a:t>
+            </a:r>
+          </a:p>
+          <a:p>
+            <a:pPr lvl="1"/>
+            <a:r>
+              <a:rPr lang="en-US"/>
+              <a:t>Second level</a:t>
+            </a:r>
+          </a:p>
+          <a:p>
+            <a:pPr lvl="2"/>
+            <a:r>
+              <a:rPr lang="en-US"/>
+              <a:t>Third level</a:t>
+            </a:r>
+          </a:p>
+          <a:p>
+            <a:pPr lvl="3"/>
+            <a:r>
+              <a:rPr lang="en-US"/>
+              <a:t>Fourth level</a:t>
+            </a:r>
+          </a:p>
+          <a:p>
+            <a:pPr lvl="4"/>
+            <a:r>
+              <a:rPr lang="en-US"/>
+              <a:t>Fifth level</a:t>
+            </a:r>
+            <a:endParaRPr lang="pl-PL"/>
+          </a:p>
+        </p:txBody>
+      </p:sp>
+      <p:sp>
+        <p:nvSpPr>
+          <p:cNvPr id="6" name="Footer Placeholder 5"/>
+          <p:cNvSpPr>
+            <a:spLocks noGrp="1"/>
+          </p:cNvSpPr>
+          <p:nvPr>
+            <p:ph type="ftr" sz="quarter" idx="4"/>
+          </p:nvPr>
+        </p:nvSpPr>
+        <p:spPr>
+          <a:xfrm>
+            <a:off x="0" y="8251825"/>
+            <a:ext cx="2843213" cy="434975"/>
+          </a:xfrm>
+          <a:prstGeom prst="rect">
+            <a:avLst/>
+          </a:prstGeom>
+        </p:spPr>
+        <p:txBody>
+          <a:bodyPr vert="horz" lIns="91440" tIns="45720" rIns="91440" bIns="45720" rtlCol="0" anchor="b"/>
+          <a:lstStyle>
+            <a:lvl1pPr algn="l">
+              <a:defRPr sz="1200"/>
+            </a:lvl1pPr>
+          </a:lstStyle>
+          <a:p>
+            <a:endParaRPr lang="pl-PL"/>
+          </a:p>
+        </p:txBody>
+      </p:sp>
+      <p:sp>
+        <p:nvSpPr>
+          <p:cNvPr id="7" name="Slide Number Placeholder 6"/>
+          <p:cNvSpPr>
+            <a:spLocks noGrp="1"/>
+          </p:cNvSpPr>
+          <p:nvPr>
+            <p:ph type="sldNum" sz="quarter" idx="5"/>
+          </p:nvPr>
+        </p:nvSpPr>
+        <p:spPr>
+          <a:xfrm>
+            <a:off x="3717925" y="8251825"/>
+            <a:ext cx="2843213" cy="434975"/>
+          </a:xfrm>
+          <a:prstGeom prst="rect">
+            <a:avLst/>
+          </a:prstGeom>
+        </p:spPr>
+        <p:txBody>
+          <a:bodyPr vert="horz" lIns="91440" tIns="45720" rIns="91440" bIns="45720" rtlCol="0" anchor="b"/>
+          <a:lstStyle>
+            <a:lvl1pPr algn="r">
+              <a:defRPr sz="1200"/>
+            </a:lvl1pPr>
+          </a:lstStyle>
+          <a:p>
+            <a:fld id="{CF8E1F5B-EEED-4607-9691-4F72865A4F86}" type="slidenum">
+              <a:rPr lang="pl-PL" smtClean="0"/>
+              <a:t>‹#›</a:t>
+            </a:fld>
+            <a:endParaRPr lang="pl-PL"/>
+          </a:p>
+        </p:txBody>
+      </p:sp>
+    </p:spTree>
+    <p:extLst>
+      <p:ext uri="{BB962C8B-B14F-4D97-AF65-F5344CB8AC3E}">
+        <p14:creationId xmlns:p14="http://schemas.microsoft.com/office/powerpoint/2010/main" val="2582939458"/>
+      </p:ext>
+    </p:extLst>
+  </p:cSld>
+  <p:clrMap bg1="lt1" tx1="dk1" bg2="lt2" tx2="dk2" accent1="accent1" accent2="accent2" accent3="accent3" accent4="accent4" accent5="accent5" accent6="accent6" hlink="hlink" folHlink="folHlink"/>
+  <p:notesStyle>
+    <a:lvl1pPr marL="0" algn="l" defTabSz="914400" rtl="0" eaLnBrk="1" latinLnBrk="0" hangingPunct="1">
+      <a:defRPr sz="1200" kern="1200">
+        <a:solidFill>
+          <a:schemeClr val="tx1"/>
+        </a:solidFill>
+        <a:latin typeface="+mn-lt"/>
+        <a:ea typeface="+mn-ea"/>
+        <a:cs typeface="+mn-cs"/>
+      </a:defRPr>
+    </a:lvl1pPr>
+    <a:lvl2pPr marL="457200" algn="l" defTabSz="914400" rtl="0" eaLnBrk="1" latinLnBrk="0" hangingPunct="1">
+      <a:defRPr sz="1200" kern="1200">
+        <a:solidFill>
+          <a:schemeClr val="tx1"/>
+        </a:solidFill>
+        <a:latin typeface="+mn-lt"/>
+        <a:ea typeface="+mn-ea"/>
+        <a:cs typeface="+mn-cs"/>
+      </a:defRPr>
+    </a:lvl2pPr>
+    <a:lvl3pPr marL="914400" algn="l" defTabSz="914400" rtl="0" eaLnBrk="1" latinLnBrk="0" hangingPunct="1">
+      <a:defRPr sz="1200" kern="1200">
+        <a:solidFill>
+          <a:schemeClr val="tx1"/>
+        </a:solidFill>
+        <a:latin typeface="+mn-lt"/>
+        <a:ea typeface="+mn-ea"/>
+        <a:cs typeface="+mn-cs"/>
+      </a:defRPr>
+    </a:lvl3pPr>
+    <a:lvl4pPr marL="1371600" algn="l" defTabSz="914400" rtl="0" eaLnBrk="1" latinLnBrk="0" hangingPunct="1">
+      <a:defRPr sz="1200" kern="1200">
+        <a:solidFill>
+          <a:schemeClr val="tx1"/>
+        </a:solidFill>
+        <a:latin typeface="+mn-lt"/>
+        <a:ea typeface="+mn-ea"/>
+        <a:cs typeface="+mn-cs"/>
+      </a:defRPr>
+    </a:lvl4pPr>
+    <a:lvl5pPr marL="1828800" algn="l" defTabSz="914400" rtl="0" eaLnBrk="1" latinLnBrk="0" hangingPunct="1">
+      <a:defRPr sz="1200" kern="1200">
+        <a:solidFill>
+          <a:schemeClr val="tx1"/>
+        </a:solidFill>
+        <a:latin typeface="+mn-lt"/>
+        <a:ea typeface="+mn-ea"/>
+        <a:cs typeface="+mn-cs"/>
+      </a:defRPr>
+    </a:lvl5pPr>
+    <a:lvl6pPr marL="2286000" algn="l" defTabSz="914400" rtl="0" eaLnBrk="1" latinLnBrk="0" hangingPunct="1">
+      <a:defRPr sz="1200" kern="1200">
+        <a:solidFill>
+          <a:schemeClr val="tx1"/>
+        </a:solidFill>
+        <a:latin typeface="+mn-lt"/>
+        <a:ea typeface="+mn-ea"/>
+        <a:cs typeface="+mn-cs"/>
+      </a:defRPr>
+    </a:lvl6pPr>
+    <a:lvl7pPr marL="2743200" algn="l" defTabSz="914400" rtl="0" eaLnBrk="1" latinLnBrk="0" hangingPunct="1">
+      <a:defRPr sz="1200" kern="1200">
+        <a:solidFill>
+          <a:schemeClr val="tx1"/>
+        </a:solidFill>
+        <a:latin typeface="+mn-lt"/>
+        <a:ea typeface="+mn-ea"/>
+        <a:cs typeface="+mn-cs"/>
+      </a:defRPr>
+    </a:lvl7pPr>
+    <a:lvl8pPr marL="3200400" algn="l" defTabSz="914400" rtl="0" eaLnBrk="1" latinLnBrk="0" hangingPunct="1">
+      <a:defRPr sz="1200" kern="1200">
+        <a:solidFill>
+          <a:schemeClr val="tx1"/>
+        </a:solidFill>
+        <a:latin typeface="+mn-lt"/>
+        <a:ea typeface="+mn-ea"/>
+        <a:cs typeface="+mn-cs"/>
+      </a:defRPr>
+    </a:lvl8pPr>
+    <a:lvl9pPr marL="3657600" algn="l" defTabSz="914400" rtl="0" eaLnBrk="1" latinLnBrk="0" hangingPunct="1">
+      <a:defRPr sz="1200" kern="1200">
+        <a:solidFill>
+          <a:schemeClr val="tx1"/>
+        </a:solidFill>
+        <a:latin typeface="+mn-lt"/>
+        <a:ea typeface="+mn-ea"/>
+        <a:cs typeface="+mn-cs"/>
+      </a:defRPr>
+    </a:lvl9pPr>
+  </p:notesStyle>
+</p:notesMaster>
+</file>
+
+<file path=ppt/notesSlides/notesSlide1.xml><?xml version="1.0" encoding="utf-8"?>
+<p:notes xmlns:a="http://schemas.openxmlformats.org/drawingml/2006/main" xmlns:r="http://schemas.openxmlformats.org/officeDocument/2006/relationships" xmlns:p="http://schemas.openxmlformats.org/presentationml/2006/main">
+  <p:cSld>
+    <p:spTree>
+      <p:nvGrpSpPr>
+        <p:cNvPr id="1" name=""/>
+        <p:cNvGrpSpPr/>
+        <p:nvPr/>
+      </p:nvGrpSpPr>
+      <p:grpSpPr>
+        <a:xfrm>
+          <a:off x="0" y="0"/>
+          <a:ext cx="0" cy="0"/>
+          <a:chOff x="0" y="0"/>
+          <a:chExt cx="0" cy="0"/>
+        </a:xfrm>
+      </p:grpSpPr>
+      <p:sp>
+        <p:nvSpPr>
+          <p:cNvPr id="2" name="Slide Image Placeholder 1"/>
+          <p:cNvSpPr>
+            <a:spLocks noGrp="1" noRot="1" noChangeAspect="1"/>
+          </p:cNvSpPr>
+          <p:nvPr>
+            <p:ph type="sldImg"/>
+          </p:nvPr>
+        </p:nvSpPr>
+        <p:spPr/>
+      </p:sp>
+      <p:sp>
+        <p:nvSpPr>
+          <p:cNvPr id="3" name="Notes Placeholder 2"/>
+          <p:cNvSpPr>
+            <a:spLocks noGrp="1"/>
+          </p:cNvSpPr>
+          <p:nvPr>
+            <p:ph type="body" idx="1"/>
+          </p:nvPr>
+        </p:nvSpPr>
+        <p:spPr/>
+        <p:txBody>
+          <a:bodyPr/>
+          <a:lstStyle/>
+          <a:p>
+            <a:endParaRPr lang="pl-PL" dirty="0"/>
+          </a:p>
+        </p:txBody>
+      </p:sp>
+      <p:sp>
+        <p:nvSpPr>
+          <p:cNvPr id="4" name="Slide Number Placeholder 3"/>
+          <p:cNvSpPr>
+            <a:spLocks noGrp="1"/>
+          </p:cNvSpPr>
+          <p:nvPr>
+            <p:ph type="sldNum" sz="quarter" idx="5"/>
+          </p:nvPr>
+        </p:nvSpPr>
+        <p:spPr/>
+        <p:txBody>
+          <a:bodyPr/>
+          <a:lstStyle/>
+          <a:p>
+            <a:fld id="{CF8E1F5B-EEED-4607-9691-4F72865A4F86}" type="slidenum">
+              <a:rPr lang="pl-PL" smtClean="0"/>
+              <a:t>7</a:t>
+            </a:fld>
+            <a:endParaRPr lang="pl-PL"/>
+          </a:p>
+        </p:txBody>
+      </p:sp>
+    </p:spTree>
+    <p:extLst>
+      <p:ext uri="{BB962C8B-B14F-4D97-AF65-F5344CB8AC3E}">
+        <p14:creationId xmlns:p14="http://schemas.microsoft.com/office/powerpoint/2010/main" val="938539941"/>
+      </p:ext>
+    </p:extLst>
+  </p:cSld>
+  <p:clrMapOvr>
+    <a:masterClrMapping/>
+  </p:clrMapOvr>
+</p:notes>
 </file>
 
 <file path=ppt/slideLayouts/slideLayout1.xml><?xml version="1.0" encoding="utf-8"?>
@@ -2814,64 +3248,43 @@
           <a:bodyPr/>
           <a:lstStyle/>
           <a:p>
-            <a:pPr marL="514350" indent="-514350"/>
             <a:r>
               <a:rPr lang="pl-PL" dirty="0"/>
-              <a:t>Cele teoretyczne i poznawcze </a:t>
-            </a:r>
-          </a:p>
-        </p:txBody>
-      </p:sp>
-      <p:sp>
-        <p:nvSpPr>
-          <p:cNvPr id="3" name="Content Placeholder 2"/>
-          <p:cNvSpPr>
-            <a:spLocks noGrp="1"/>
-          </p:cNvSpPr>
+              <a:t>Symulacja pracy serca</a:t>
+            </a:r>
+          </a:p>
+        </p:txBody>
+      </p:sp>
+      <p:pic>
+        <p:nvPicPr>
+          <p:cNvPr id="4" name="Content Placeholder 3"/>
+          <p:cNvPicPr>
+            <a:picLocks noGrp="1" noChangeAspect="1"/>
+          </p:cNvPicPr>
           <p:nvPr>
             <p:ph idx="1"/>
           </p:nvPr>
-        </p:nvSpPr>
-        <p:spPr/>
-        <p:txBody>
-          <a:bodyPr/>
-          <a:lstStyle/>
-          <a:p>
-            <a:r>
-              <a:rPr lang="pl-PL" dirty="0"/>
-              <a:t>Poznanie funkcjonowania ludzkiego serca</a:t>
-            </a:r>
-          </a:p>
-          <a:p>
-            <a:r>
-              <a:rPr lang="pl-PL" dirty="0"/>
-              <a:t>poznanie silnika Unity3D</a:t>
-            </a:r>
-          </a:p>
-          <a:p>
-            <a:r>
-              <a:rPr lang="pl-PL" dirty="0"/>
-              <a:t>Poznanie proceduralnej geometrii niezbędnej do generowania i renderowania obiektów 3D, </a:t>
-            </a:r>
-          </a:p>
-          <a:p>
-            <a:r>
-              <a:rPr lang="pl-PL" dirty="0"/>
-              <a:t>Poznanie podstaw programowania w ShaderLab </a:t>
-            </a:r>
-          </a:p>
-          <a:p>
-            <a:pPr marL="0" indent="0">
-              <a:buNone/>
-            </a:pPr>
-            <a:endParaRPr lang="pl-PL" dirty="0"/>
-          </a:p>
-        </p:txBody>
-      </p:sp>
+        </p:nvPicPr>
+        <p:blipFill>
+          <a:blip r:embed="rId2"/>
+          <a:stretch>
+            <a:fillRect/>
+          </a:stretch>
+        </p:blipFill>
+        <p:spPr>
+          <a:xfrm>
+            <a:off x="1096352" y="2132856"/>
+            <a:ext cx="7454533" cy="4356124"/>
+          </a:xfrm>
+          <a:prstGeom prst="rect">
+            <a:avLst/>
+          </a:prstGeom>
+        </p:spPr>
+      </p:pic>
     </p:spTree>
     <p:extLst>
       <p:ext uri="{BB962C8B-B14F-4D97-AF65-F5344CB8AC3E}">
-        <p14:creationId xmlns:p14="http://schemas.microsoft.com/office/powerpoint/2010/main" val="1651066227"/>
+        <p14:creationId xmlns:p14="http://schemas.microsoft.com/office/powerpoint/2010/main" val="4093906934"/>
       </p:ext>
     </p:extLst>
   </p:cSld>
@@ -2916,17 +3329,23 @@
           <a:bodyPr/>
           <a:lstStyle/>
           <a:p>
-            <a:pPr marL="514350" indent="-514350"/>
             <a:r>
               <a:rPr lang="pl-PL" dirty="0"/>
-              <a:t>Cele praktyczne</a:t>
-            </a:r>
-          </a:p>
-        </p:txBody>
-      </p:sp>
-      <p:sp>
-        <p:nvSpPr>
-          <p:cNvPr id="3" name="Content Placeholder 2"/>
+              <a:t>Model Serca</a:t>
+            </a:r>
+            <a:endParaRPr lang="pl-PL" sz="2000" dirty="0"/>
+          </a:p>
+        </p:txBody>
+      </p:sp>
+      <p:sp>
+        <p:nvSpPr>
+          <p:cNvPr id="6" name="Content Placeholder 5">
+            <a:extLst>
+              <a:ext uri="{FF2B5EF4-FFF2-40B4-BE49-F238E27FC236}">
+                <a16:creationId xmlns:a16="http://schemas.microsoft.com/office/drawing/2014/main" id="{94E6DF40-1079-439D-92CD-C06E01D4F362}"/>
+              </a:ext>
+            </a:extLst>
+          </p:cNvPr>
           <p:cNvSpPr>
             <a:spLocks noGrp="1"/>
           </p:cNvSpPr>
@@ -2934,31 +3353,54 @@
             <p:ph idx="1"/>
           </p:nvPr>
         </p:nvSpPr>
-        <p:spPr/>
+        <p:spPr>
+          <a:xfrm>
+            <a:off x="611188" y="1881189"/>
+            <a:ext cx="8424862" cy="4346574"/>
+          </a:xfrm>
+        </p:spPr>
         <p:txBody>
           <a:bodyPr/>
           <a:lstStyle/>
           <a:p>
             <a:endParaRPr lang="pl-PL" dirty="0"/>
           </a:p>
-          <a:p>
-            <a:r>
-              <a:rPr lang="pl-PL" dirty="0"/>
-              <a:t>Zwiększenie tempa i skuteczności uczenia się anatomi serca przez studentów medycyny</a:t>
-            </a:r>
-          </a:p>
-          <a:p>
-            <a:r>
-              <a:rPr lang="pl-PL" dirty="0"/>
-              <a:t>Aplikacja umożliwiajaca pomiar tętna</a:t>
-            </a:r>
-          </a:p>
-        </p:txBody>
-      </p:sp>
+        </p:txBody>
+      </p:sp>
+      <p:pic>
+        <p:nvPicPr>
+          <p:cNvPr id="7" name="Picture 6">
+            <a:extLst>
+              <a:ext uri="{FF2B5EF4-FFF2-40B4-BE49-F238E27FC236}">
+                <a16:creationId xmlns:a16="http://schemas.microsoft.com/office/drawing/2014/main" id="{6C677585-1813-41DB-A960-3C69849F1987}"/>
+              </a:ext>
+            </a:extLst>
+          </p:cNvPr>
+          <p:cNvPicPr>
+            <a:picLocks noChangeAspect="1"/>
+          </p:cNvPicPr>
+          <p:nvPr/>
+        </p:nvPicPr>
+        <p:blipFill>
+          <a:blip r:embed="rId2"/>
+          <a:stretch>
+            <a:fillRect/>
+          </a:stretch>
+        </p:blipFill>
+        <p:spPr>
+          <a:xfrm>
+            <a:off x="2898423" y="1881189"/>
+            <a:ext cx="3347153" cy="4729122"/>
+          </a:xfrm>
+          <a:prstGeom prst="rect">
+            <a:avLst/>
+          </a:prstGeom>
+        </p:spPr>
+      </p:pic>
     </p:spTree>
     <p:extLst>
       <p:ext uri="{BB962C8B-B14F-4D97-AF65-F5344CB8AC3E}">
-        <p14:creationId xmlns:p14="http://schemas.microsoft.com/office/powerpoint/2010/main" val="2972872453"/>
+        <p14:creationId xmlns:p14="http://schemas.microsoft.com/office/powerpoint/2010/main" val="4203721877"/>
       </p:ext>
     </p:extLst>
   </p:cSld>
@@ -3005,46 +3447,108 @@
           <a:p>
             <a:r>
               <a:rPr lang="pl-PL" dirty="0"/>
-              <a:t>Cele metodologiczne</a:t>
-            </a:r>
-          </a:p>
-        </p:txBody>
-      </p:sp>
-      <p:sp>
-        <p:nvSpPr>
-          <p:cNvPr id="3" name="Content Placeholder 2"/>
-          <p:cNvSpPr>
-            <a:spLocks noGrp="1"/>
-          </p:cNvSpPr>
+              <a:t>Wireframe</a:t>
+            </a:r>
+          </a:p>
+        </p:txBody>
+      </p:sp>
+      <p:sp>
+        <p:nvSpPr>
+          <p:cNvPr id="5" name="Rectangle 4"/>
+          <p:cNvSpPr/>
+          <p:nvPr/>
+        </p:nvSpPr>
+        <p:spPr>
+          <a:xfrm>
+            <a:off x="2304525" y="6228678"/>
+            <a:ext cx="4572000" cy="646331"/>
+          </a:xfrm>
+          <a:prstGeom prst="rect">
+            <a:avLst/>
+          </a:prstGeom>
+        </p:spPr>
+        <p:txBody>
+          <a:bodyPr>
+            <a:spAutoFit/>
+          </a:bodyPr>
+          <a:lstStyle/>
+          <a:p>
+            <a:r>
+              <a:rPr lang="pl-PL" dirty="0">
+                <a:hlinkClick r:id="rId2"/>
+              </a:rPr>
+              <a:t>https://www.cnet.com/how-to/how-to-track-your-heart-rate-with-a-smartphone/</a:t>
+            </a:r>
+            <a:endParaRPr lang="pl-PL" dirty="0"/>
+          </a:p>
+        </p:txBody>
+      </p:sp>
+      <p:pic>
+        <p:nvPicPr>
+          <p:cNvPr id="7" name="Content Placeholder 6">
+            <a:extLst>
+              <a:ext uri="{FF2B5EF4-FFF2-40B4-BE49-F238E27FC236}">
+                <a16:creationId xmlns:a16="http://schemas.microsoft.com/office/drawing/2014/main" id="{5B3578FE-F3EE-4F4C-881F-B6233E6A2CF3}"/>
+              </a:ext>
+            </a:extLst>
+          </p:cNvPr>
+          <p:cNvPicPr>
+            <a:picLocks noGrp="1" noChangeAspect="1"/>
+          </p:cNvPicPr>
           <p:nvPr>
             <p:ph idx="1"/>
           </p:nvPr>
-        </p:nvSpPr>
-        <p:spPr/>
-        <p:txBody>
-          <a:bodyPr/>
-          <a:lstStyle/>
-          <a:p>
-            <a:endParaRPr lang="pl-PL" dirty="0"/>
-          </a:p>
-          <a:p>
-            <a:r>
-              <a:rPr lang="pl-PL" dirty="0"/>
-              <a:t>Badanie szybkiego renderingu modeli3D z szczegółami na urzadzeniach mobilnych</a:t>
-            </a:r>
-          </a:p>
-          <a:p>
-            <a:r>
-              <a:rPr lang="pl-PL" dirty="0"/>
-              <a:t>Badanie pomaru tętana różnymi metodami</a:t>
-            </a:r>
-          </a:p>
-        </p:txBody>
-      </p:sp>
+        </p:nvPicPr>
+        <p:blipFill>
+          <a:blip r:embed="rId3"/>
+          <a:stretch>
+            <a:fillRect/>
+          </a:stretch>
+        </p:blipFill>
+        <p:spPr>
+          <a:xfrm>
+            <a:off x="755576" y="1857264"/>
+            <a:ext cx="5890998" cy="4860925"/>
+          </a:xfrm>
+          <a:prstGeom prst="rect">
+            <a:avLst/>
+          </a:prstGeom>
+        </p:spPr>
+      </p:pic>
+      <p:pic>
+        <p:nvPicPr>
+          <p:cNvPr id="8" name="Picture 7">
+            <a:extLst>
+              <a:ext uri="{FF2B5EF4-FFF2-40B4-BE49-F238E27FC236}">
+                <a16:creationId xmlns:a16="http://schemas.microsoft.com/office/drawing/2014/main" id="{FAA7EB1F-2837-447E-BA56-B5330335DB0B}"/>
+              </a:ext>
+            </a:extLst>
+          </p:cNvPr>
+          <p:cNvPicPr>
+            <a:picLocks noChangeAspect="1"/>
+          </p:cNvPicPr>
+          <p:nvPr/>
+        </p:nvPicPr>
+        <p:blipFill>
+          <a:blip r:embed="rId4"/>
+          <a:stretch>
+            <a:fillRect/>
+          </a:stretch>
+        </p:blipFill>
+        <p:spPr>
+          <a:xfrm>
+            <a:off x="4732049" y="1857263"/>
+            <a:ext cx="3829050" cy="4860925"/>
+          </a:xfrm>
+          <a:prstGeom prst="rect">
+            <a:avLst/>
+          </a:prstGeom>
+        </p:spPr>
+      </p:pic>
     </p:spTree>
     <p:extLst>
       <p:ext uri="{BB962C8B-B14F-4D97-AF65-F5344CB8AC3E}">
-        <p14:creationId xmlns:p14="http://schemas.microsoft.com/office/powerpoint/2010/main" val="213991956"/>
+        <p14:creationId xmlns:p14="http://schemas.microsoft.com/office/powerpoint/2010/main" val="2640712866"/>
       </p:ext>
     </p:extLst>
   </p:cSld>
@@ -3091,7 +3595,7 @@
           <a:p>
             <a:r>
               <a:rPr lang="pl-PL" dirty="0"/>
-              <a:t>Wymagania aplikacji</a:t>
+              <a:t>Możliwości rozwoju aplikacji</a:t>
             </a:r>
           </a:p>
         </p:txBody>
@@ -3112,40 +3616,85 @@
           <a:lstStyle/>
           <a:p>
             <a:r>
-              <a:rPr lang="pl-PL" sz="2500" dirty="0"/>
-              <a:t>Obsługuje iOS, macOS i Android 4.3 i nowsze </a:t>
-            </a:r>
-          </a:p>
-          <a:p>
-            <a:r>
-              <a:rPr lang="pl-PL" sz="2500" dirty="0"/>
-              <a:t>Transfer danych w czasie rzeczywistym </a:t>
-            </a:r>
-          </a:p>
-          <a:p>
-            <a:r>
-              <a:rPr lang="pl-PL" sz="2500" dirty="0"/>
-              <a:t>Pomiar tętna za pomocą aparatu i zewnętrznego urządzenia (smartwatch</a:t>
-            </a:r>
-          </a:p>
-          <a:p>
-            <a:r>
-              <a:rPr lang="pl-PL" sz="2500" dirty="0"/>
-              <a:t>Pobieranie pomiaru tętna z różnych pasków piersiowych i zegarków BLE (np. Wahoo BlueHR, Mio Alpha).</a:t>
-            </a:r>
-          </a:p>
-          <a:p>
-            <a:r>
-              <a:rPr lang="pl-PL" sz="2500" dirty="0"/>
-              <a:t>Zawiera przykłady wizualizacji ( np. Interaktywny model serca)</a:t>
-            </a:r>
+              <a:rPr lang="pl-PL" dirty="0"/>
+              <a:t>Symulacje oparte na interfejsach czujników medycznych</a:t>
+            </a:r>
+          </a:p>
+          <a:p>
+            <a:pPr marL="0" indent="0">
+              <a:buNone/>
+            </a:pPr>
+            <a:endParaRPr lang="pl-PL" dirty="0"/>
+          </a:p>
+          <a:p>
+            <a:r>
+              <a:rPr lang="pl-PL" dirty="0"/>
+              <a:t>Symulace oparte na środowisku wirtualnym</a:t>
+            </a:r>
+          </a:p>
+          <a:p>
+            <a:endParaRPr lang="pl-PL" dirty="0"/>
+          </a:p>
+          <a:p>
+            <a:r>
+              <a:rPr lang="pl-PL" dirty="0"/>
+              <a:t>Symulacje oparte na manekinie</a:t>
+            </a:r>
+          </a:p>
+          <a:p>
+            <a:pPr marL="0" indent="0">
+              <a:buNone/>
+            </a:pPr>
+            <a:endParaRPr lang="pl-PL" dirty="0"/>
+          </a:p>
+          <a:p>
+            <a:endParaRPr lang="pl-PL" dirty="0"/>
+          </a:p>
+        </p:txBody>
+      </p:sp>
+      <p:sp>
+        <p:nvSpPr>
+          <p:cNvPr id="4" name="AutoShape 2" descr="Znalezione obrazy dla zapytania Unity"/>
+          <p:cNvSpPr>
+            <a:spLocks noChangeAspect="1" noChangeArrowheads="1"/>
+          </p:cNvSpPr>
+          <p:nvPr/>
+        </p:nvSpPr>
+        <p:spPr bwMode="auto">
+          <a:xfrm>
+            <a:off x="155575" y="-144463"/>
+            <a:ext cx="304800" cy="304801"/>
+          </a:xfrm>
+          <a:prstGeom prst="rect">
+            <a:avLst/>
+          </a:prstGeom>
+          <a:noFill/>
+          <a:extLst>
+            <a:ext uri="{909E8E84-426E-40DD-AFC4-6F175D3DCCD1}">
+              <a14:hiddenFill xmlns:a14="http://schemas.microsoft.com/office/drawing/2010/main">
+                <a:solidFill>
+                  <a:srgbClr val="FFFFFF"/>
+                </a:solidFill>
+              </a14:hiddenFill>
+            </a:ext>
+          </a:extLst>
+        </p:spPr>
+        <p:txBody>
+          <a:bodyPr vert="horz" wrap="square" lIns="91440" tIns="45720" rIns="91440" bIns="45720" numCol="1" anchor="t" anchorCtr="0" compatLnSpc="1">
+            <a:prstTxWarp prst="textNoShape">
+              <a:avLst/>
+            </a:prstTxWarp>
+          </a:bodyPr>
+          <a:lstStyle/>
+          <a:p>
+            <a:endParaRPr lang="pl-PL"/>
           </a:p>
         </p:txBody>
       </p:sp>
     </p:spTree>
     <p:extLst>
       <p:ext uri="{BB962C8B-B14F-4D97-AF65-F5344CB8AC3E}">
-        <p14:creationId xmlns:p14="http://schemas.microsoft.com/office/powerpoint/2010/main" val="811512208"/>
+        <p14:creationId xmlns:p14="http://schemas.microsoft.com/office/powerpoint/2010/main" val="4022960838"/>
       </p:ext>
     </p:extLst>
   </p:cSld>
@@ -3159,6 +3708,507 @@
 </file>
 
 <file path=ppt/slides/slide14.xml><?xml version="1.0" encoding="utf-8"?>
+<p:sld xmlns:a="http://schemas.openxmlformats.org/drawingml/2006/main" xmlns:r="http://schemas.openxmlformats.org/officeDocument/2006/relationships" xmlns:p="http://schemas.openxmlformats.org/presentationml/2006/main">
+  <p:cSld>
+    <p:spTree>
+      <p:nvGrpSpPr>
+        <p:cNvPr id="1" name=""/>
+        <p:cNvGrpSpPr/>
+        <p:nvPr/>
+      </p:nvGrpSpPr>
+      <p:grpSpPr>
+        <a:xfrm>
+          <a:off x="0" y="0"/>
+          <a:ext cx="0" cy="0"/>
+          <a:chOff x="0" y="0"/>
+          <a:chExt cx="0" cy="0"/>
+        </a:xfrm>
+      </p:grpSpPr>
+      <p:sp>
+        <p:nvSpPr>
+          <p:cNvPr id="2" name="Title 1"/>
+          <p:cNvSpPr>
+            <a:spLocks noGrp="1"/>
+          </p:cNvSpPr>
+          <p:nvPr>
+            <p:ph type="title"/>
+          </p:nvPr>
+        </p:nvSpPr>
+        <p:spPr/>
+        <p:txBody>
+          <a:bodyPr/>
+          <a:lstStyle/>
+          <a:p>
+            <a:r>
+              <a:rPr lang="pl-PL" dirty="0"/>
+              <a:t>Bibliografia</a:t>
+            </a:r>
+          </a:p>
+        </p:txBody>
+      </p:sp>
+      <p:sp>
+        <p:nvSpPr>
+          <p:cNvPr id="3" name="Content Placeholder 2"/>
+          <p:cNvSpPr>
+            <a:spLocks noGrp="1"/>
+          </p:cNvSpPr>
+          <p:nvPr>
+            <p:ph idx="1"/>
+          </p:nvPr>
+        </p:nvSpPr>
+        <p:spPr/>
+        <p:txBody>
+          <a:bodyPr/>
+          <a:lstStyle/>
+          <a:p>
+            <a:endParaRPr lang="pl-PL" sz="2000" dirty="0"/>
+          </a:p>
+          <a:p>
+            <a:r>
+              <a:rPr lang="en-US" sz="2000" dirty="0"/>
+              <a:t>Betts, J. Gordon (2013). </a:t>
+            </a:r>
+            <a:r>
+              <a:rPr lang="en-US" sz="1500" dirty="0"/>
+              <a:t>Anatomy &amp; physiology. pp. 787–846. ISBN 1-938168-13-5. Retrieved 11 August 2014</a:t>
+            </a:r>
+            <a:endParaRPr lang="pl-PL" sz="1500" dirty="0"/>
+          </a:p>
+          <a:p>
+            <a:r>
+              <a:rPr lang="pl-PL" sz="2000" dirty="0"/>
+              <a:t>“Anatomia człowieka“, Adam Bochenek i Michał Reicher, </a:t>
+            </a:r>
+            <a:r>
+              <a:rPr lang="pl-PL" sz="1500" dirty="0"/>
+              <a:t>PZWL wyd. VII, Warszawa 1999</a:t>
+            </a:r>
+          </a:p>
+          <a:p>
+            <a:endParaRPr lang="pl-PL" sz="1500" dirty="0"/>
+          </a:p>
+          <a:p>
+            <a:r>
+              <a:rPr lang="pl-PL" sz="2000" dirty="0"/>
+              <a:t>Dokumetnacja Unity </a:t>
+            </a:r>
+            <a:r>
+              <a:rPr lang="pl-PL" sz="1000" dirty="0"/>
+              <a:t>(thttps://docs.unity3d.com/Manual/index.html)</a:t>
+            </a:r>
+          </a:p>
+          <a:p>
+            <a:endParaRPr lang="pl-PL" sz="1000" i="1" dirty="0"/>
+          </a:p>
+          <a:p>
+            <a:pPr marL="0" indent="0">
+              <a:buNone/>
+            </a:pPr>
+            <a:endParaRPr lang="pl-PL" dirty="0"/>
+          </a:p>
+        </p:txBody>
+      </p:sp>
+    </p:spTree>
+    <p:extLst>
+      <p:ext uri="{BB962C8B-B14F-4D97-AF65-F5344CB8AC3E}">
+        <p14:creationId xmlns:p14="http://schemas.microsoft.com/office/powerpoint/2010/main" val="2827071451"/>
+      </p:ext>
+    </p:extLst>
+  </p:cSld>
+  <p:clrMapOvr>
+    <a:masterClrMapping/>
+  </p:clrMapOvr>
+  <p:transition>
+    <p:randomBar/>
+  </p:transition>
+</p:sld>
+</file>
+
+<file path=ppt/slides/slide15.xml><?xml version="1.0" encoding="utf-8"?>
+<p:sld xmlns:a="http://schemas.openxmlformats.org/drawingml/2006/main" xmlns:r="http://schemas.openxmlformats.org/officeDocument/2006/relationships" xmlns:p="http://schemas.openxmlformats.org/presentationml/2006/main">
+  <p:cSld>
+    <p:spTree>
+      <p:nvGrpSpPr>
+        <p:cNvPr id="1" name=""/>
+        <p:cNvGrpSpPr/>
+        <p:nvPr/>
+      </p:nvGrpSpPr>
+      <p:grpSpPr>
+        <a:xfrm>
+          <a:off x="0" y="0"/>
+          <a:ext cx="0" cy="0"/>
+          <a:chOff x="0" y="0"/>
+          <a:chExt cx="0" cy="0"/>
+        </a:xfrm>
+      </p:grpSpPr>
+      <p:sp>
+        <p:nvSpPr>
+          <p:cNvPr id="2" name="Title 1"/>
+          <p:cNvSpPr>
+            <a:spLocks noGrp="1"/>
+          </p:cNvSpPr>
+          <p:nvPr>
+            <p:ph type="title"/>
+          </p:nvPr>
+        </p:nvSpPr>
+        <p:spPr/>
+        <p:txBody>
+          <a:bodyPr/>
+          <a:lstStyle/>
+          <a:p>
+            <a:r>
+              <a:rPr lang="pl-PL" dirty="0"/>
+              <a:t>Dziękuję za uwagę </a:t>
+            </a:r>
+          </a:p>
+        </p:txBody>
+      </p:sp>
+      <p:sp>
+        <p:nvSpPr>
+          <p:cNvPr id="5" name="Content Placeholder 4"/>
+          <p:cNvSpPr>
+            <a:spLocks noGrp="1"/>
+          </p:cNvSpPr>
+          <p:nvPr>
+            <p:ph idx="1"/>
+          </p:nvPr>
+        </p:nvSpPr>
+        <p:spPr/>
+        <p:txBody>
+          <a:bodyPr/>
+          <a:lstStyle/>
+          <a:p>
+            <a:pPr marL="0" indent="0" algn="ctr">
+              <a:buNone/>
+            </a:pPr>
+            <a:endParaRPr lang="pl-PL" dirty="0"/>
+          </a:p>
+          <a:p>
+            <a:pPr marL="0" indent="0" algn="ctr">
+              <a:buNone/>
+            </a:pPr>
+            <a:endParaRPr lang="pl-PL" dirty="0"/>
+          </a:p>
+          <a:p>
+            <a:pPr marL="0" indent="0" algn="ctr">
+              <a:buNone/>
+            </a:pPr>
+            <a:endParaRPr lang="pl-PL" dirty="0"/>
+          </a:p>
+          <a:p>
+            <a:pPr marL="0" indent="0" algn="ctr">
+              <a:buNone/>
+            </a:pPr>
+            <a:r>
+              <a:rPr lang="pl-PL" dirty="0"/>
+              <a:t>Czas na prezentację aplikacji</a:t>
+            </a:r>
+          </a:p>
+          <a:p>
+            <a:pPr marL="0" indent="0" algn="ctr">
+              <a:buNone/>
+            </a:pPr>
+            <a:endParaRPr lang="pl-PL" dirty="0"/>
+          </a:p>
+        </p:txBody>
+      </p:sp>
+    </p:spTree>
+    <p:extLst>
+      <p:ext uri="{BB962C8B-B14F-4D97-AF65-F5344CB8AC3E}">
+        <p14:creationId xmlns:p14="http://schemas.microsoft.com/office/powerpoint/2010/main" val="169798607"/>
+      </p:ext>
+    </p:extLst>
+  </p:cSld>
+  <p:clrMapOvr>
+    <a:masterClrMapping/>
+  </p:clrMapOvr>
+  <p:transition>
+    <p:randomBar/>
+  </p:transition>
+</p:sld>
+</file>
+
+<file path=ppt/slides/slide2.xml><?xml version="1.0" encoding="utf-8"?>
+<p:sld xmlns:a="http://schemas.openxmlformats.org/drawingml/2006/main" xmlns:r="http://schemas.openxmlformats.org/officeDocument/2006/relationships" xmlns:p="http://schemas.openxmlformats.org/presentationml/2006/main">
+  <p:cSld>
+    <p:spTree>
+      <p:nvGrpSpPr>
+        <p:cNvPr id="1" name=""/>
+        <p:cNvGrpSpPr/>
+        <p:nvPr/>
+      </p:nvGrpSpPr>
+      <p:grpSpPr>
+        <a:xfrm>
+          <a:off x="0" y="0"/>
+          <a:ext cx="0" cy="0"/>
+          <a:chOff x="0" y="0"/>
+          <a:chExt cx="0" cy="0"/>
+        </a:xfrm>
+      </p:grpSpPr>
+      <p:sp>
+        <p:nvSpPr>
+          <p:cNvPr id="2" name="Title 1"/>
+          <p:cNvSpPr>
+            <a:spLocks noGrp="1"/>
+          </p:cNvSpPr>
+          <p:nvPr>
+            <p:ph type="title"/>
+          </p:nvPr>
+        </p:nvSpPr>
+        <p:spPr/>
+        <p:txBody>
+          <a:bodyPr/>
+          <a:lstStyle/>
+          <a:p>
+            <a:r>
+              <a:rPr lang="pl-PL" dirty="0"/>
+              <a:t>Plan prezentacji</a:t>
+            </a:r>
+          </a:p>
+        </p:txBody>
+      </p:sp>
+      <p:sp>
+        <p:nvSpPr>
+          <p:cNvPr id="3" name="Content Placeholder 2"/>
+          <p:cNvSpPr>
+            <a:spLocks noGrp="1"/>
+          </p:cNvSpPr>
+          <p:nvPr>
+            <p:ph idx="1"/>
+          </p:nvPr>
+        </p:nvSpPr>
+        <p:spPr>
+          <a:xfrm>
+            <a:off x="611188" y="2204864"/>
+            <a:ext cx="8424862" cy="4537249"/>
+          </a:xfrm>
+        </p:spPr>
+        <p:txBody>
+          <a:bodyPr/>
+          <a:lstStyle/>
+          <a:p>
+            <a:pPr marL="514350" indent="-514350">
+              <a:buFont typeface="+mj-lt"/>
+              <a:buAutoNum type="arabicPeriod"/>
+            </a:pPr>
+            <a:r>
+              <a:rPr lang="pl-PL" sz="2500" dirty="0"/>
+              <a:t>Wprowadzenie</a:t>
+            </a:r>
+          </a:p>
+          <a:p>
+            <a:pPr marL="514350" indent="-514350">
+              <a:buFont typeface="+mj-lt"/>
+              <a:buAutoNum type="arabicPeriod"/>
+            </a:pPr>
+            <a:r>
+              <a:rPr lang="pl-PL" sz="2500" dirty="0"/>
+              <a:t>Przedtawienie tematu pracy dyplomowej</a:t>
+            </a:r>
+          </a:p>
+          <a:p>
+            <a:pPr marL="514350" indent="-514350">
+              <a:buFont typeface="+mj-lt"/>
+              <a:buAutoNum type="arabicPeriod"/>
+            </a:pPr>
+            <a:r>
+              <a:rPr lang="pl-PL" sz="2500" dirty="0"/>
+              <a:t>Metody realizacji</a:t>
+            </a:r>
+          </a:p>
+          <a:p>
+            <a:pPr marL="514350" indent="-514350">
+              <a:buFont typeface="+mj-lt"/>
+              <a:buAutoNum type="arabicPeriod"/>
+            </a:pPr>
+            <a:r>
+              <a:rPr lang="pl-PL" sz="2500" dirty="0"/>
+              <a:t>Cykl hemodynamiczny serca</a:t>
+            </a:r>
+          </a:p>
+          <a:p>
+            <a:pPr marL="514350" indent="-514350">
+              <a:buFont typeface="+mj-lt"/>
+              <a:buAutoNum type="arabicPeriod"/>
+            </a:pPr>
+            <a:r>
+              <a:rPr lang="pl-PL" sz="2500" dirty="0"/>
+              <a:t>Symulacja pracy serca</a:t>
+            </a:r>
+          </a:p>
+          <a:p>
+            <a:pPr marL="514350" indent="-514350">
+              <a:buFont typeface="+mj-lt"/>
+              <a:buAutoNum type="arabicPeriod"/>
+            </a:pPr>
+            <a:r>
+              <a:rPr lang="pl-PL" sz="2500" dirty="0"/>
+              <a:t>Model serca</a:t>
+            </a:r>
+          </a:p>
+          <a:p>
+            <a:pPr marL="514350" indent="-514350">
+              <a:buFont typeface="+mj-lt"/>
+              <a:buAutoNum type="arabicPeriod"/>
+            </a:pPr>
+            <a:r>
+              <a:rPr lang="pl-PL" sz="2500" dirty="0"/>
+              <a:t>Możliwości rozwoju aplikacji</a:t>
+            </a:r>
+          </a:p>
+          <a:p>
+            <a:pPr marL="514350" indent="-514350">
+              <a:buFont typeface="+mj-lt"/>
+              <a:buAutoNum type="arabicPeriod"/>
+            </a:pPr>
+            <a:r>
+              <a:rPr lang="pl-PL" sz="2500" dirty="0"/>
+              <a:t>Prezentacja aplikacji</a:t>
+            </a:r>
+          </a:p>
+          <a:p>
+            <a:pPr marL="0" indent="0">
+              <a:buNone/>
+            </a:pPr>
+            <a:endParaRPr lang="pl-PL" sz="2500" dirty="0"/>
+          </a:p>
+          <a:p>
+            <a:pPr marL="0" indent="0">
+              <a:buNone/>
+            </a:pPr>
+            <a:endParaRPr lang="pl-PL" sz="2500" dirty="0"/>
+          </a:p>
+        </p:txBody>
+      </p:sp>
+    </p:spTree>
+    <p:extLst>
+      <p:ext uri="{BB962C8B-B14F-4D97-AF65-F5344CB8AC3E}">
+        <p14:creationId xmlns:p14="http://schemas.microsoft.com/office/powerpoint/2010/main" val="1496999211"/>
+      </p:ext>
+    </p:extLst>
+  </p:cSld>
+  <p:clrMapOvr>
+    <a:masterClrMapping/>
+  </p:clrMapOvr>
+  <p:transition>
+    <p:randomBar/>
+  </p:transition>
+</p:sld>
+</file>
+
+<file path=ppt/slides/slide3.xml><?xml version="1.0" encoding="utf-8"?>
+<p:sld xmlns:a="http://schemas.openxmlformats.org/drawingml/2006/main" xmlns:r="http://schemas.openxmlformats.org/officeDocument/2006/relationships" xmlns:p="http://schemas.openxmlformats.org/presentationml/2006/main">
+  <p:cSld>
+    <p:spTree>
+      <p:nvGrpSpPr>
+        <p:cNvPr id="1" name=""/>
+        <p:cNvGrpSpPr/>
+        <p:nvPr/>
+      </p:nvGrpSpPr>
+      <p:grpSpPr>
+        <a:xfrm>
+          <a:off x="0" y="0"/>
+          <a:ext cx="0" cy="0"/>
+          <a:chOff x="0" y="0"/>
+          <a:chExt cx="0" cy="0"/>
+        </a:xfrm>
+      </p:grpSpPr>
+      <p:sp>
+        <p:nvSpPr>
+          <p:cNvPr id="2" name="Title 1"/>
+          <p:cNvSpPr>
+            <a:spLocks noGrp="1"/>
+          </p:cNvSpPr>
+          <p:nvPr>
+            <p:ph type="title"/>
+          </p:nvPr>
+        </p:nvSpPr>
+        <p:spPr/>
+        <p:txBody>
+          <a:bodyPr/>
+          <a:lstStyle/>
+          <a:p>
+            <a:r>
+              <a:rPr lang="pl-PL" dirty="0"/>
+              <a:t>Wprowadzenie</a:t>
+            </a:r>
+          </a:p>
+        </p:txBody>
+      </p:sp>
+      <p:sp>
+        <p:nvSpPr>
+          <p:cNvPr id="3" name="Content Placeholder 2"/>
+          <p:cNvSpPr>
+            <a:spLocks noGrp="1"/>
+          </p:cNvSpPr>
+          <p:nvPr>
+            <p:ph idx="1"/>
+          </p:nvPr>
+        </p:nvSpPr>
+        <p:spPr/>
+        <p:txBody>
+          <a:bodyPr/>
+          <a:lstStyle/>
+          <a:p>
+            <a:pPr marL="0" indent="0" algn="ctr">
+              <a:buNone/>
+            </a:pPr>
+            <a:endParaRPr lang="pl-PL" dirty="0"/>
+          </a:p>
+          <a:p>
+            <a:pPr marL="0" indent="0" algn="ctr">
+              <a:buNone/>
+            </a:pPr>
+            <a:r>
+              <a:rPr lang="pl-PL" dirty="0"/>
+              <a:t>Aplikacja do symulacji</a:t>
+            </a:r>
+          </a:p>
+          <a:p>
+            <a:pPr marL="0" indent="0" algn="ctr">
+              <a:buNone/>
+            </a:pPr>
+            <a:r>
+              <a:rPr lang="pl-PL" dirty="0"/>
+              <a:t> cyklu hemodynamicznego serca</a:t>
+            </a:r>
+          </a:p>
+          <a:p>
+            <a:pPr marL="0" indent="0" algn="ctr">
+              <a:buNone/>
+            </a:pPr>
+            <a:r>
+              <a:rPr lang="pl-PL" sz="2000" dirty="0"/>
+              <a:t>(</a:t>
+            </a:r>
+            <a:r>
+              <a:rPr lang="en-US" sz="2000" dirty="0"/>
+              <a:t>Application for simulation of hemodynamic cardiac cycle</a:t>
+            </a:r>
+            <a:r>
+              <a:rPr lang="pl-PL" sz="2000" dirty="0"/>
+              <a:t>)</a:t>
+            </a:r>
+          </a:p>
+        </p:txBody>
+      </p:sp>
+    </p:spTree>
+    <p:extLst>
+      <p:ext uri="{BB962C8B-B14F-4D97-AF65-F5344CB8AC3E}">
+        <p14:creationId xmlns:p14="http://schemas.microsoft.com/office/powerpoint/2010/main" val="1749776459"/>
+      </p:ext>
+    </p:extLst>
+  </p:cSld>
+  <p:clrMapOvr>
+    <a:masterClrMapping/>
+  </p:clrMapOvr>
+  <p:transition>
+    <p:randomBar/>
+  </p:transition>
+</p:sld>
+</file>
+
+<file path=ppt/slides/slide4.xml><?xml version="1.0" encoding="utf-8"?>
 <p:sld xmlns:a="http://schemas.openxmlformats.org/drawingml/2006/main" xmlns:r="http://schemas.openxmlformats.org/officeDocument/2006/relationships" xmlns:p="http://schemas.openxmlformats.org/presentationml/2006/main">
   <p:cSld>
     <p:spTree>
@@ -3299,239 +4349,35 @@
       </p:pic>
       <p:pic>
         <p:nvPicPr>
-          <p:cNvPr id="19" name="Picture 18"/>
+          <p:cNvPr id="1026" name="Picture 2" descr="Znalezione obrazy dla zapytania: Blender logo\&quot;">
+            <a:extLst>
+              <a:ext uri="{FF2B5EF4-FFF2-40B4-BE49-F238E27FC236}">
+                <a16:creationId xmlns:a16="http://schemas.microsoft.com/office/drawing/2014/main" id="{30DC250A-9E8B-4DCB-B9DD-86C31241F5E7}"/>
+              </a:ext>
+            </a:extLst>
+          </p:cNvPr>
           <p:cNvPicPr>
-            <a:picLocks noChangeAspect="1"/>
+            <a:picLocks noChangeAspect="1" noChangeArrowheads="1"/>
           </p:cNvPicPr>
           <p:nvPr/>
         </p:nvPicPr>
         <p:blipFill>
-          <a:blip r:embed="rId5"/>
+          <a:blip r:embed="rId5" cstate="print">
+            <a:extLst>
+              <a:ext uri="{28A0092B-C50C-407E-A947-70E740481C1C}">
+                <a14:useLocalDpi xmlns:a14="http://schemas.microsoft.com/office/drawing/2010/main" val="0"/>
+              </a:ext>
+            </a:extLst>
+          </a:blip>
+          <a:srcRect/>
           <a:stretch>
             <a:fillRect/>
           </a:stretch>
         </p:blipFill>
-        <p:spPr>
-          <a:xfrm>
-            <a:off x="5651711" y="1998133"/>
-            <a:ext cx="1656184" cy="1656184"/>
-          </a:xfrm>
-          <a:prstGeom prst="rect">
-            <a:avLst/>
-          </a:prstGeom>
-        </p:spPr>
-      </p:pic>
-    </p:spTree>
-    <p:extLst>
-      <p:ext uri="{BB962C8B-B14F-4D97-AF65-F5344CB8AC3E}">
-        <p14:creationId xmlns:p14="http://schemas.microsoft.com/office/powerpoint/2010/main" val="2501355794"/>
-      </p:ext>
-    </p:extLst>
-  </p:cSld>
-  <p:clrMapOvr>
-    <a:masterClrMapping/>
-  </p:clrMapOvr>
-  <p:transition>
-    <p:randomBar/>
-  </p:transition>
-</p:sld>
-</file>
-
-<file path=ppt/slides/slide15.xml><?xml version="1.0" encoding="utf-8"?>
-<p:sld xmlns:a="http://schemas.openxmlformats.org/drawingml/2006/main" xmlns:r="http://schemas.openxmlformats.org/officeDocument/2006/relationships" xmlns:p="http://schemas.openxmlformats.org/presentationml/2006/main">
-  <p:cSld>
-    <p:spTree>
-      <p:nvGrpSpPr>
-        <p:cNvPr id="1" name=""/>
-        <p:cNvGrpSpPr/>
-        <p:nvPr/>
-      </p:nvGrpSpPr>
-      <p:grpSpPr>
-        <a:xfrm>
-          <a:off x="0" y="0"/>
-          <a:ext cx="0" cy="0"/>
-          <a:chOff x="0" y="0"/>
-          <a:chExt cx="0" cy="0"/>
-        </a:xfrm>
-      </p:grpSpPr>
-      <p:sp>
-        <p:nvSpPr>
-          <p:cNvPr id="2" name="Title 1"/>
-          <p:cNvSpPr>
-            <a:spLocks noGrp="1"/>
-          </p:cNvSpPr>
-          <p:nvPr>
-            <p:ph type="title"/>
-          </p:nvPr>
-        </p:nvSpPr>
-        <p:spPr/>
-        <p:txBody>
-          <a:bodyPr/>
-          <a:lstStyle/>
-          <a:p>
-            <a:r>
-              <a:rPr lang="pl-PL" dirty="0"/>
-              <a:t>Harmonogram pracy</a:t>
-            </a:r>
-          </a:p>
-        </p:txBody>
-      </p:sp>
-      <p:sp>
-        <p:nvSpPr>
-          <p:cNvPr id="3" name="Content Placeholder 2"/>
-          <p:cNvSpPr>
-            <a:spLocks noGrp="1"/>
-          </p:cNvSpPr>
-          <p:nvPr>
-            <p:ph idx="1"/>
-          </p:nvPr>
-        </p:nvSpPr>
-        <p:spPr/>
-        <p:txBody>
-          <a:bodyPr/>
-          <a:lstStyle/>
-          <a:p>
-            <a:endParaRPr lang="pl-PL" sz="2500" dirty="0"/>
-          </a:p>
-          <a:p>
-            <a:r>
-              <a:rPr lang="pl-PL" sz="2500" dirty="0"/>
-              <a:t>(31.10.2019) Pobieranie pomiaru tętna z różnych pasków piersiowych i zegarków BLE</a:t>
-            </a:r>
-          </a:p>
-          <a:p>
-            <a:r>
-              <a:rPr lang="pl-PL" sz="2500" dirty="0"/>
-              <a:t>(11.11.2019) Wizualizaca pracy serca</a:t>
-            </a:r>
-          </a:p>
-          <a:p>
-            <a:r>
-              <a:rPr lang="pl-PL" sz="2500" dirty="0"/>
-              <a:t>(25.11.2019) Przedstawienie symulacji pracy serca </a:t>
-            </a:r>
-          </a:p>
-          <a:p>
-            <a:r>
-              <a:rPr lang="pl-PL" sz="2500" dirty="0"/>
-              <a:t>(30.11.2019) Testowanie</a:t>
-            </a:r>
-          </a:p>
-          <a:p>
-            <a:r>
-              <a:rPr lang="pl-PL" sz="2500" dirty="0"/>
-              <a:t>(10.12.2019) Dokumentacja</a:t>
-            </a:r>
-          </a:p>
-          <a:p>
-            <a:endParaRPr lang="pl-PL" sz="2500" dirty="0"/>
-          </a:p>
-        </p:txBody>
-      </p:sp>
-    </p:spTree>
-    <p:extLst>
-      <p:ext uri="{BB962C8B-B14F-4D97-AF65-F5344CB8AC3E}">
-        <p14:creationId xmlns:p14="http://schemas.microsoft.com/office/powerpoint/2010/main" val="2280012502"/>
-      </p:ext>
-    </p:extLst>
-  </p:cSld>
-  <p:clrMapOvr>
-    <a:masterClrMapping/>
-  </p:clrMapOvr>
-  <p:transition>
-    <p:randomBar/>
-  </p:transition>
-</p:sld>
-</file>
-
-<file path=ppt/slides/slide16.xml><?xml version="1.0" encoding="utf-8"?>
-<p:sld xmlns:a="http://schemas.openxmlformats.org/drawingml/2006/main" xmlns:r="http://schemas.openxmlformats.org/officeDocument/2006/relationships" xmlns:p="http://schemas.openxmlformats.org/presentationml/2006/main">
-  <p:cSld>
-    <p:spTree>
-      <p:nvGrpSpPr>
-        <p:cNvPr id="1" name=""/>
-        <p:cNvGrpSpPr/>
-        <p:nvPr/>
-      </p:nvGrpSpPr>
-      <p:grpSpPr>
-        <a:xfrm>
-          <a:off x="0" y="0"/>
-          <a:ext cx="0" cy="0"/>
-          <a:chOff x="0" y="0"/>
-          <a:chExt cx="0" cy="0"/>
-        </a:xfrm>
-      </p:grpSpPr>
-      <p:sp>
-        <p:nvSpPr>
-          <p:cNvPr id="2" name="Title 1"/>
-          <p:cNvSpPr>
-            <a:spLocks noGrp="1"/>
-          </p:cNvSpPr>
-          <p:nvPr>
-            <p:ph type="title"/>
-          </p:nvPr>
-        </p:nvSpPr>
-        <p:spPr/>
-        <p:txBody>
-          <a:bodyPr/>
-          <a:lstStyle/>
-          <a:p>
-            <a:r>
-              <a:rPr lang="pl-PL" dirty="0"/>
-              <a:t>Zrealizowane cele</a:t>
-            </a:r>
-          </a:p>
-        </p:txBody>
-      </p:sp>
-      <p:sp>
-        <p:nvSpPr>
-          <p:cNvPr id="3" name="Content Placeholder 2"/>
-          <p:cNvSpPr>
-            <a:spLocks noGrp="1"/>
-          </p:cNvSpPr>
-          <p:nvPr>
-            <p:ph idx="1"/>
-          </p:nvPr>
-        </p:nvSpPr>
-        <p:spPr/>
-        <p:txBody>
-          <a:bodyPr/>
-          <a:lstStyle/>
-          <a:p>
-            <a:r>
-              <a:rPr lang="pl-PL" dirty="0"/>
-              <a:t>Aplikacja do pomiaru tętna za pomocą aparatu (kamera internetowa, natywny aparat z Androidem, kamera iOS itp.)</a:t>
-            </a:r>
-          </a:p>
-          <a:p>
-            <a:pPr marL="0" indent="0">
-              <a:buNone/>
-            </a:pPr>
-            <a:endParaRPr lang="pl-PL" dirty="0"/>
-          </a:p>
-          <a:p>
-            <a:pPr marL="0" indent="0">
-              <a:buNone/>
-            </a:pPr>
-            <a:endParaRPr lang="pl-PL" dirty="0"/>
-          </a:p>
-          <a:p>
-            <a:endParaRPr lang="pl-PL" dirty="0"/>
-          </a:p>
-        </p:txBody>
-      </p:sp>
-      <p:sp>
-        <p:nvSpPr>
-          <p:cNvPr id="4" name="AutoShape 2" descr="Znalezione obrazy dla zapytania Unity"/>
-          <p:cNvSpPr>
-            <a:spLocks noChangeAspect="1" noChangeArrowheads="1"/>
-          </p:cNvSpPr>
-          <p:nvPr/>
-        </p:nvSpPr>
         <p:spPr bwMode="auto">
           <a:xfrm>
-            <a:off x="155575" y="-144463"/>
-            <a:ext cx="304800" cy="304801"/>
+            <a:off x="5558814" y="2098346"/>
+            <a:ext cx="1578353" cy="1578353"/>
           </a:xfrm>
           <a:prstGeom prst="rect">
             <a:avLst/>
@@ -3547,621 +4393,11 @@
             </a:ext>
           </a:extLst>
         </p:spPr>
-        <p:txBody>
-          <a:bodyPr vert="horz" wrap="square" lIns="91440" tIns="45720" rIns="91440" bIns="45720" numCol="1" anchor="t" anchorCtr="0" compatLnSpc="1">
-            <a:prstTxWarp prst="textNoShape">
-              <a:avLst/>
-            </a:prstTxWarp>
-          </a:bodyPr>
-          <a:lstStyle/>
-          <a:p>
-            <a:endParaRPr lang="pl-PL"/>
-          </a:p>
-        </p:txBody>
-      </p:sp>
-      <p:pic>
-        <p:nvPicPr>
-          <p:cNvPr id="5" name="Picture 4"/>
-          <p:cNvPicPr>
-            <a:picLocks noChangeAspect="1"/>
-          </p:cNvPicPr>
-          <p:nvPr/>
-        </p:nvPicPr>
-        <p:blipFill>
-          <a:blip r:embed="rId2"/>
-          <a:stretch>
-            <a:fillRect/>
-          </a:stretch>
-        </p:blipFill>
-        <p:spPr>
-          <a:xfrm>
-            <a:off x="761206" y="4149080"/>
-            <a:ext cx="8124825" cy="1638300"/>
-          </a:xfrm>
-          <a:prstGeom prst="rect">
-            <a:avLst/>
-          </a:prstGeom>
-        </p:spPr>
       </p:pic>
     </p:spTree>
     <p:extLst>
       <p:ext uri="{BB962C8B-B14F-4D97-AF65-F5344CB8AC3E}">
-        <p14:creationId xmlns:p14="http://schemas.microsoft.com/office/powerpoint/2010/main" val="4022960838"/>
-      </p:ext>
-    </p:extLst>
-  </p:cSld>
-  <p:clrMapOvr>
-    <a:masterClrMapping/>
-  </p:clrMapOvr>
-  <p:transition>
-    <p:randomBar/>
-  </p:transition>
-</p:sld>
-</file>
-
-<file path=ppt/slides/slide17.xml><?xml version="1.0" encoding="utf-8"?>
-<p:sld xmlns:a="http://schemas.openxmlformats.org/drawingml/2006/main" xmlns:r="http://schemas.openxmlformats.org/officeDocument/2006/relationships" xmlns:p="http://schemas.openxmlformats.org/presentationml/2006/main">
-  <p:cSld>
-    <p:spTree>
-      <p:nvGrpSpPr>
-        <p:cNvPr id="1" name=""/>
-        <p:cNvGrpSpPr/>
-        <p:nvPr/>
-      </p:nvGrpSpPr>
-      <p:grpSpPr>
-        <a:xfrm>
-          <a:off x="0" y="0"/>
-          <a:ext cx="0" cy="0"/>
-          <a:chOff x="0" y="0"/>
-          <a:chExt cx="0" cy="0"/>
-        </a:xfrm>
-      </p:grpSpPr>
-      <p:sp>
-        <p:nvSpPr>
-          <p:cNvPr id="2" name="Title 1"/>
-          <p:cNvSpPr>
-            <a:spLocks noGrp="1"/>
-          </p:cNvSpPr>
-          <p:nvPr>
-            <p:ph type="title"/>
-          </p:nvPr>
-        </p:nvSpPr>
-        <p:spPr/>
-        <p:txBody>
-          <a:bodyPr/>
-          <a:lstStyle/>
-          <a:p>
-            <a:r>
-              <a:rPr lang="pl-PL" dirty="0"/>
-              <a:t>Bibliografia</a:t>
-            </a:r>
-          </a:p>
-        </p:txBody>
-      </p:sp>
-      <p:sp>
-        <p:nvSpPr>
-          <p:cNvPr id="3" name="Content Placeholder 2"/>
-          <p:cNvSpPr>
-            <a:spLocks noGrp="1"/>
-          </p:cNvSpPr>
-          <p:nvPr>
-            <p:ph idx="1"/>
-          </p:nvPr>
-        </p:nvSpPr>
-        <p:spPr/>
-        <p:txBody>
-          <a:bodyPr/>
-          <a:lstStyle/>
-          <a:p>
-            <a:endParaRPr lang="pl-PL" sz="2000" dirty="0"/>
-          </a:p>
-          <a:p>
-            <a:r>
-              <a:rPr lang="en-US" sz="2000" dirty="0"/>
-              <a:t>Betts, J. Gordon (2013). </a:t>
-            </a:r>
-            <a:r>
-              <a:rPr lang="en-US" sz="1500" dirty="0"/>
-              <a:t>Anatomy &amp; physiology. pp. 787–846. ISBN 1-938168-13-5. Retrieved 11 August 2014</a:t>
-            </a:r>
-            <a:endParaRPr lang="pl-PL" sz="1500" dirty="0"/>
-          </a:p>
-          <a:p>
-            <a:r>
-              <a:rPr lang="pl-PL" sz="2000" dirty="0"/>
-              <a:t>“Anatomia człowieka“, Adam Bochenek i Michał Reicher, </a:t>
-            </a:r>
-            <a:r>
-              <a:rPr lang="pl-PL" sz="1500" dirty="0"/>
-              <a:t>PZWL wyd. VII, Warszawa 1999</a:t>
-            </a:r>
-          </a:p>
-          <a:p>
-            <a:endParaRPr lang="pl-PL" sz="1500" dirty="0"/>
-          </a:p>
-          <a:p>
-            <a:r>
-              <a:rPr lang="pl-PL" sz="2000" dirty="0"/>
-              <a:t>Dokumetnacja Unity </a:t>
-            </a:r>
-            <a:r>
-              <a:rPr lang="pl-PL" sz="1000" dirty="0"/>
-              <a:t>(thttps://docs.unity3d.com/Manual/index.html)</a:t>
-            </a:r>
-          </a:p>
-          <a:p>
-            <a:endParaRPr lang="pl-PL" sz="1000" i="1" dirty="0"/>
-          </a:p>
-          <a:p>
-            <a:pPr marL="0" indent="0">
-              <a:buNone/>
-            </a:pPr>
-            <a:endParaRPr lang="pl-PL" dirty="0"/>
-          </a:p>
-        </p:txBody>
-      </p:sp>
-    </p:spTree>
-    <p:extLst>
-      <p:ext uri="{BB962C8B-B14F-4D97-AF65-F5344CB8AC3E}">
-        <p14:creationId xmlns:p14="http://schemas.microsoft.com/office/powerpoint/2010/main" val="2827071451"/>
-      </p:ext>
-    </p:extLst>
-  </p:cSld>
-  <p:clrMapOvr>
-    <a:masterClrMapping/>
-  </p:clrMapOvr>
-  <p:transition>
-    <p:randomBar/>
-  </p:transition>
-</p:sld>
-</file>
-
-<file path=ppt/slides/slide18.xml><?xml version="1.0" encoding="utf-8"?>
-<p:sld xmlns:a="http://schemas.openxmlformats.org/drawingml/2006/main" xmlns:r="http://schemas.openxmlformats.org/officeDocument/2006/relationships" xmlns:p="http://schemas.openxmlformats.org/presentationml/2006/main">
-  <p:cSld>
-    <p:spTree>
-      <p:nvGrpSpPr>
-        <p:cNvPr id="1" name=""/>
-        <p:cNvGrpSpPr/>
-        <p:nvPr/>
-      </p:nvGrpSpPr>
-      <p:grpSpPr>
-        <a:xfrm>
-          <a:off x="0" y="0"/>
-          <a:ext cx="0" cy="0"/>
-          <a:chOff x="0" y="0"/>
-          <a:chExt cx="0" cy="0"/>
-        </a:xfrm>
-      </p:grpSpPr>
-      <p:sp>
-        <p:nvSpPr>
-          <p:cNvPr id="2" name="Title 1"/>
-          <p:cNvSpPr>
-            <a:spLocks noGrp="1"/>
-          </p:cNvSpPr>
-          <p:nvPr>
-            <p:ph type="title"/>
-          </p:nvPr>
-        </p:nvSpPr>
-        <p:spPr/>
-        <p:txBody>
-          <a:bodyPr/>
-          <a:lstStyle/>
-          <a:p>
-            <a:r>
-              <a:rPr lang="pl-PL" dirty="0"/>
-              <a:t>Dziękuję za uwagę </a:t>
-            </a:r>
-          </a:p>
-        </p:txBody>
-      </p:sp>
-      <p:sp>
-        <p:nvSpPr>
-          <p:cNvPr id="5" name="Content Placeholder 4"/>
-          <p:cNvSpPr>
-            <a:spLocks noGrp="1"/>
-          </p:cNvSpPr>
-          <p:nvPr>
-            <p:ph idx="1"/>
-          </p:nvPr>
-        </p:nvSpPr>
-        <p:spPr/>
-        <p:txBody>
-          <a:bodyPr/>
-          <a:lstStyle/>
-          <a:p>
-            <a:pPr marL="0" indent="0" algn="ctr">
-              <a:buNone/>
-            </a:pPr>
-            <a:endParaRPr lang="pl-PL" dirty="0"/>
-          </a:p>
-          <a:p>
-            <a:pPr marL="0" indent="0" algn="ctr">
-              <a:buNone/>
-            </a:pPr>
-            <a:endParaRPr lang="pl-PL" dirty="0"/>
-          </a:p>
-          <a:p>
-            <a:pPr marL="0" indent="0" algn="ctr">
-              <a:buNone/>
-            </a:pPr>
-            <a:endParaRPr lang="pl-PL" dirty="0"/>
-          </a:p>
-          <a:p>
-            <a:pPr marL="0" indent="0" algn="ctr">
-              <a:buNone/>
-            </a:pPr>
-            <a:r>
-              <a:rPr lang="pl-PL" dirty="0"/>
-              <a:t>Czas na pytania ?</a:t>
-            </a:r>
-          </a:p>
-          <a:p>
-            <a:pPr marL="0" indent="0" algn="ctr">
-              <a:buNone/>
-            </a:pPr>
-            <a:endParaRPr lang="pl-PL" dirty="0"/>
-          </a:p>
-          <a:p>
-            <a:pPr marL="0" indent="0" algn="ctr">
-              <a:buNone/>
-            </a:pPr>
-            <a:r>
-              <a:rPr lang="pl-PL" dirty="0"/>
-              <a:t>Paweł Szynal</a:t>
-            </a:r>
-          </a:p>
-        </p:txBody>
-      </p:sp>
-    </p:spTree>
-    <p:extLst>
-      <p:ext uri="{BB962C8B-B14F-4D97-AF65-F5344CB8AC3E}">
-        <p14:creationId xmlns:p14="http://schemas.microsoft.com/office/powerpoint/2010/main" val="169798607"/>
-      </p:ext>
-    </p:extLst>
-  </p:cSld>
-  <p:clrMapOvr>
-    <a:masterClrMapping/>
-  </p:clrMapOvr>
-  <p:transition>
-    <p:randomBar/>
-  </p:transition>
-</p:sld>
-</file>
-
-<file path=ppt/slides/slide2.xml><?xml version="1.0" encoding="utf-8"?>
-<p:sld xmlns:a="http://schemas.openxmlformats.org/drawingml/2006/main" xmlns:r="http://schemas.openxmlformats.org/officeDocument/2006/relationships" xmlns:p="http://schemas.openxmlformats.org/presentationml/2006/main">
-  <p:cSld>
-    <p:spTree>
-      <p:nvGrpSpPr>
-        <p:cNvPr id="1" name=""/>
-        <p:cNvGrpSpPr/>
-        <p:nvPr/>
-      </p:nvGrpSpPr>
-      <p:grpSpPr>
-        <a:xfrm>
-          <a:off x="0" y="0"/>
-          <a:ext cx="0" cy="0"/>
-          <a:chOff x="0" y="0"/>
-          <a:chExt cx="0" cy="0"/>
-        </a:xfrm>
-      </p:grpSpPr>
-      <p:sp>
-        <p:nvSpPr>
-          <p:cNvPr id="2" name="Title 1"/>
-          <p:cNvSpPr>
-            <a:spLocks noGrp="1"/>
-          </p:cNvSpPr>
-          <p:nvPr>
-            <p:ph type="title"/>
-          </p:nvPr>
-        </p:nvSpPr>
-        <p:spPr/>
-        <p:txBody>
-          <a:bodyPr/>
-          <a:lstStyle/>
-          <a:p>
-            <a:r>
-              <a:rPr lang="pl-PL" dirty="0"/>
-              <a:t>Plan prezentacji</a:t>
-            </a:r>
-          </a:p>
-        </p:txBody>
-      </p:sp>
-      <p:sp>
-        <p:nvSpPr>
-          <p:cNvPr id="3" name="Content Placeholder 2"/>
-          <p:cNvSpPr>
-            <a:spLocks noGrp="1"/>
-          </p:cNvSpPr>
-          <p:nvPr>
-            <p:ph idx="1"/>
-          </p:nvPr>
-        </p:nvSpPr>
-        <p:spPr>
-          <a:xfrm>
-            <a:off x="611188" y="2204864"/>
-            <a:ext cx="8424862" cy="4537249"/>
-          </a:xfrm>
-        </p:spPr>
-        <p:txBody>
-          <a:bodyPr/>
-          <a:lstStyle/>
-          <a:p>
-            <a:pPr marL="514350" indent="-514350">
-              <a:buFont typeface="+mj-lt"/>
-              <a:buAutoNum type="arabicPeriod"/>
-            </a:pPr>
-            <a:r>
-              <a:rPr lang="pl-PL" sz="2500" dirty="0"/>
-              <a:t>Wprowadzenie</a:t>
-            </a:r>
-          </a:p>
-          <a:p>
-            <a:pPr marL="514350" indent="-514350">
-              <a:buFont typeface="+mj-lt"/>
-              <a:buAutoNum type="arabicPeriod"/>
-            </a:pPr>
-            <a:r>
-              <a:rPr lang="pl-PL" sz="2500" dirty="0"/>
-              <a:t>Przedtawienie tematu pracy dyplomowej</a:t>
-            </a:r>
-          </a:p>
-          <a:p>
-            <a:pPr marL="514350" indent="-514350">
-              <a:buFont typeface="+mj-lt"/>
-              <a:buAutoNum type="arabicPeriod"/>
-            </a:pPr>
-            <a:r>
-              <a:rPr lang="pl-PL" sz="2500" dirty="0"/>
-              <a:t>Wymagania aplikacji</a:t>
-            </a:r>
-          </a:p>
-          <a:p>
-            <a:pPr marL="514350" indent="-514350">
-              <a:buFont typeface="+mj-lt"/>
-              <a:buAutoNum type="arabicPeriod"/>
-            </a:pPr>
-            <a:r>
-              <a:rPr lang="pl-PL" sz="2500" dirty="0"/>
-              <a:t>Metody realizacji</a:t>
-            </a:r>
-          </a:p>
-          <a:p>
-            <a:pPr marL="514350" indent="-514350">
-              <a:buFont typeface="+mj-lt"/>
-              <a:buAutoNum type="arabicPeriod"/>
-            </a:pPr>
-            <a:endParaRPr lang="pl-PL" sz="2500" dirty="0"/>
-          </a:p>
-          <a:p>
-            <a:pPr marL="514350" indent="-514350">
-              <a:buFont typeface="+mj-lt"/>
-              <a:buAutoNum type="arabicPeriod"/>
-            </a:pPr>
-            <a:r>
-              <a:rPr lang="pl-PL" sz="2500" dirty="0"/>
-              <a:t>Prezentacja aplikacji</a:t>
-            </a:r>
-          </a:p>
-          <a:p>
-            <a:pPr marL="0" indent="0">
-              <a:buNone/>
-            </a:pPr>
-            <a:endParaRPr lang="pl-PL" sz="2500" dirty="0"/>
-          </a:p>
-          <a:p>
-            <a:pPr marL="0" indent="0">
-              <a:buNone/>
-            </a:pPr>
-            <a:endParaRPr lang="pl-PL" sz="2500" dirty="0"/>
-          </a:p>
-        </p:txBody>
-      </p:sp>
-    </p:spTree>
-    <p:extLst>
-      <p:ext uri="{BB962C8B-B14F-4D97-AF65-F5344CB8AC3E}">
-        <p14:creationId xmlns:p14="http://schemas.microsoft.com/office/powerpoint/2010/main" val="1496999211"/>
-      </p:ext>
-    </p:extLst>
-  </p:cSld>
-  <p:clrMapOvr>
-    <a:masterClrMapping/>
-  </p:clrMapOvr>
-  <p:transition>
-    <p:randomBar/>
-  </p:transition>
-</p:sld>
-</file>
-
-<file path=ppt/slides/slide3.xml><?xml version="1.0" encoding="utf-8"?>
-<p:sld xmlns:a="http://schemas.openxmlformats.org/drawingml/2006/main" xmlns:r="http://schemas.openxmlformats.org/officeDocument/2006/relationships" xmlns:p="http://schemas.openxmlformats.org/presentationml/2006/main">
-  <p:cSld>
-    <p:spTree>
-      <p:nvGrpSpPr>
-        <p:cNvPr id="1" name=""/>
-        <p:cNvGrpSpPr/>
-        <p:nvPr/>
-      </p:nvGrpSpPr>
-      <p:grpSpPr>
-        <a:xfrm>
-          <a:off x="0" y="0"/>
-          <a:ext cx="0" cy="0"/>
-          <a:chOff x="0" y="0"/>
-          <a:chExt cx="0" cy="0"/>
-        </a:xfrm>
-      </p:grpSpPr>
-      <p:sp>
-        <p:nvSpPr>
-          <p:cNvPr id="2" name="Title 1"/>
-          <p:cNvSpPr>
-            <a:spLocks noGrp="1"/>
-          </p:cNvSpPr>
-          <p:nvPr>
-            <p:ph type="title"/>
-          </p:nvPr>
-        </p:nvSpPr>
-        <p:spPr/>
-        <p:txBody>
-          <a:bodyPr/>
-          <a:lstStyle/>
-          <a:p>
-            <a:r>
-              <a:rPr lang="pl-PL" dirty="0"/>
-              <a:t>Wprowadzenie</a:t>
-            </a:r>
-          </a:p>
-        </p:txBody>
-      </p:sp>
-      <p:sp>
-        <p:nvSpPr>
-          <p:cNvPr id="3" name="Content Placeholder 2"/>
-          <p:cNvSpPr>
-            <a:spLocks noGrp="1"/>
-          </p:cNvSpPr>
-          <p:nvPr>
-            <p:ph idx="1"/>
-          </p:nvPr>
-        </p:nvSpPr>
-        <p:spPr/>
-        <p:txBody>
-          <a:bodyPr/>
-          <a:lstStyle/>
-          <a:p>
-            <a:pPr marL="0" indent="0" algn="ctr">
-              <a:buNone/>
-            </a:pPr>
-            <a:endParaRPr lang="pl-PL" dirty="0"/>
-          </a:p>
-          <a:p>
-            <a:pPr marL="0" indent="0" algn="ctr">
-              <a:buNone/>
-            </a:pPr>
-            <a:r>
-              <a:rPr lang="pl-PL" dirty="0"/>
-              <a:t>Aplikacja do symulacji</a:t>
-            </a:r>
-          </a:p>
-          <a:p>
-            <a:pPr marL="0" indent="0" algn="ctr">
-              <a:buNone/>
-            </a:pPr>
-            <a:r>
-              <a:rPr lang="pl-PL" dirty="0"/>
-              <a:t> cyklu hemodynamicznego serca</a:t>
-            </a:r>
-          </a:p>
-          <a:p>
-            <a:pPr marL="0" indent="0" algn="ctr">
-              <a:buNone/>
-            </a:pPr>
-            <a:r>
-              <a:rPr lang="pl-PL" sz="2000" dirty="0"/>
-              <a:t>(</a:t>
-            </a:r>
-            <a:r>
-              <a:rPr lang="en-US" sz="2000" dirty="0"/>
-              <a:t>Application for simulation of hemodynamic cardiac cycle</a:t>
-            </a:r>
-            <a:r>
-              <a:rPr lang="pl-PL" sz="2000" dirty="0"/>
-              <a:t>)</a:t>
-            </a:r>
-          </a:p>
-        </p:txBody>
-      </p:sp>
-    </p:spTree>
-    <p:extLst>
-      <p:ext uri="{BB962C8B-B14F-4D97-AF65-F5344CB8AC3E}">
-        <p14:creationId xmlns:p14="http://schemas.microsoft.com/office/powerpoint/2010/main" val="1749776459"/>
-      </p:ext>
-    </p:extLst>
-  </p:cSld>
-  <p:clrMapOvr>
-    <a:masterClrMapping/>
-  </p:clrMapOvr>
-  <p:transition>
-    <p:randomBar/>
-  </p:transition>
-</p:sld>
-</file>
-
-<file path=ppt/slides/slide4.xml><?xml version="1.0" encoding="utf-8"?>
-<p:sld xmlns:a="http://schemas.openxmlformats.org/drawingml/2006/main" xmlns:r="http://schemas.openxmlformats.org/officeDocument/2006/relationships" xmlns:p="http://schemas.openxmlformats.org/presentationml/2006/main">
-  <p:cSld>
-    <p:spTree>
-      <p:nvGrpSpPr>
-        <p:cNvPr id="1" name=""/>
-        <p:cNvGrpSpPr/>
-        <p:nvPr/>
-      </p:nvGrpSpPr>
-      <p:grpSpPr>
-        <a:xfrm>
-          <a:off x="0" y="0"/>
-          <a:ext cx="0" cy="0"/>
-          <a:chOff x="0" y="0"/>
-          <a:chExt cx="0" cy="0"/>
-        </a:xfrm>
-      </p:grpSpPr>
-      <p:sp>
-        <p:nvSpPr>
-          <p:cNvPr id="2" name="Title 1"/>
-          <p:cNvSpPr>
-            <a:spLocks noGrp="1"/>
-          </p:cNvSpPr>
-          <p:nvPr>
-            <p:ph type="title"/>
-          </p:nvPr>
-        </p:nvSpPr>
-        <p:spPr/>
-        <p:txBody>
-          <a:bodyPr/>
-          <a:lstStyle/>
-          <a:p>
-            <a:r>
-              <a:rPr lang="pl-PL"/>
-              <a:t>Wymagania aplikacji</a:t>
-            </a:r>
-            <a:endParaRPr lang="pl-PL" dirty="0"/>
-          </a:p>
-        </p:txBody>
-      </p:sp>
-      <p:sp>
-        <p:nvSpPr>
-          <p:cNvPr id="3" name="Content Placeholder 2"/>
-          <p:cNvSpPr>
-            <a:spLocks noGrp="1"/>
-          </p:cNvSpPr>
-          <p:nvPr>
-            <p:ph idx="1"/>
-          </p:nvPr>
-        </p:nvSpPr>
-        <p:spPr/>
-        <p:txBody>
-          <a:bodyPr/>
-          <a:lstStyle/>
-          <a:p>
-            <a:r>
-              <a:rPr lang="pl-PL" dirty="0"/>
-              <a:t>Aplikacja ma na celu wspomóc szkolenia medyczne. </a:t>
-            </a:r>
-          </a:p>
-          <a:p>
-            <a:endParaRPr lang="pl-PL" dirty="0"/>
-          </a:p>
-          <a:p>
-            <a:r>
-              <a:rPr lang="pl-PL" dirty="0"/>
-              <a:t>Aplikacja posiada przykłady generowania fizjologicznych danych pacjenta, renderowania danych pacjenta oraz pełnego monitora parametrów życiowych.</a:t>
-            </a:r>
-            <a:endParaRPr lang="pl-PL" sz="2000" dirty="0"/>
-          </a:p>
-        </p:txBody>
-      </p:sp>
-    </p:spTree>
-    <p:extLst>
-      <p:ext uri="{BB962C8B-B14F-4D97-AF65-F5344CB8AC3E}">
-        <p14:creationId xmlns:p14="http://schemas.microsoft.com/office/powerpoint/2010/main" val="4087257641"/>
+        <p14:creationId xmlns:p14="http://schemas.microsoft.com/office/powerpoint/2010/main" val="2501355794"/>
       </p:ext>
     </p:extLst>
   </p:cSld>
@@ -4193,33 +4429,10 @@
       </p:grpSpPr>
       <p:sp>
         <p:nvSpPr>
-          <p:cNvPr id="2" name="Title 1"/>
-          <p:cNvSpPr>
-            <a:spLocks noGrp="1"/>
-          </p:cNvSpPr>
-          <p:nvPr>
-            <p:ph type="title"/>
-          </p:nvPr>
-        </p:nvSpPr>
-        <p:spPr/>
-        <p:txBody>
-          <a:bodyPr/>
-          <a:lstStyle/>
-          <a:p>
-            <a:r>
-              <a:rPr lang="pl-PL" dirty="0"/>
-              <a:t>Model Serca</a:t>
-            </a:r>
-            <a:endParaRPr lang="pl-PL" sz="2000" dirty="0"/>
-          </a:p>
-        </p:txBody>
-      </p:sp>
-      <p:sp>
-        <p:nvSpPr>
-          <p:cNvPr id="6" name="Content Placeholder 5">
+          <p:cNvPr id="2" name="Title 1">
             <a:extLst>
               <a:ext uri="{FF2B5EF4-FFF2-40B4-BE49-F238E27FC236}">
-                <a16:creationId xmlns:a16="http://schemas.microsoft.com/office/drawing/2014/main" id="{94E6DF40-1079-439D-92CD-C06E01D4F362}"/>
+                <a16:creationId xmlns:a16="http://schemas.microsoft.com/office/drawing/2014/main" id="{2B09AA79-84F8-4955-8BDF-7C970052785F}"/>
               </a:ext>
             </a:extLst>
           </p:cNvPr>
@@ -4227,57 +4440,53 @@
             <a:spLocks noGrp="1"/>
           </p:cNvSpPr>
           <p:nvPr>
-            <p:ph idx="1"/>
-          </p:nvPr>
-        </p:nvSpPr>
-        <p:spPr>
-          <a:xfrm>
-            <a:off x="611188" y="1881189"/>
-            <a:ext cx="8424862" cy="4346574"/>
-          </a:xfrm>
-        </p:spPr>
+            <p:ph type="title"/>
+          </p:nvPr>
+        </p:nvSpPr>
+        <p:spPr/>
         <p:txBody>
           <a:bodyPr/>
           <a:lstStyle/>
           <a:p>
-            <a:endParaRPr lang="pl-PL" dirty="0"/>
-          </a:p>
-        </p:txBody>
-      </p:sp>
-      <p:pic>
-        <p:nvPicPr>
-          <p:cNvPr id="7" name="Picture 6">
+            <a:r>
+              <a:rPr lang="pl-PL" dirty="0"/>
+              <a:t>Cykl hemodynamiczny serca</a:t>
+            </a:r>
+          </a:p>
+        </p:txBody>
+      </p:sp>
+      <p:sp>
+        <p:nvSpPr>
+          <p:cNvPr id="8" name="Content Placeholder 7">
             <a:extLst>
               <a:ext uri="{FF2B5EF4-FFF2-40B4-BE49-F238E27FC236}">
-                <a16:creationId xmlns:a16="http://schemas.microsoft.com/office/drawing/2014/main" id="{6C677585-1813-41DB-A960-3C69849F1987}"/>
+                <a16:creationId xmlns:a16="http://schemas.microsoft.com/office/drawing/2014/main" id="{850E457B-65B8-4422-A925-0504DD0A764F}"/>
               </a:ext>
             </a:extLst>
           </p:cNvPr>
-          <p:cNvPicPr>
-            <a:picLocks noChangeAspect="1"/>
-          </p:cNvPicPr>
-          <p:nvPr/>
-        </p:nvPicPr>
-        <p:blipFill>
-          <a:blip r:embed="rId2"/>
-          <a:stretch>
-            <a:fillRect/>
-          </a:stretch>
-        </p:blipFill>
-        <p:spPr>
-          <a:xfrm>
-            <a:off x="2898423" y="1881189"/>
-            <a:ext cx="3347153" cy="4729122"/>
-          </a:xfrm>
-          <a:prstGeom prst="rect">
-            <a:avLst/>
-          </a:prstGeom>
-        </p:spPr>
-      </p:pic>
+          <p:cNvSpPr>
+            <a:spLocks noGrp="1"/>
+          </p:cNvSpPr>
+          <p:nvPr>
+            <p:ph idx="1"/>
+          </p:nvPr>
+        </p:nvSpPr>
+        <p:spPr/>
+        <p:txBody>
+          <a:bodyPr/>
+          <a:lstStyle/>
+          <a:p>
+            <a:r>
+              <a:rPr lang="pl-PL" sz="2400" dirty="0"/>
+              <a:t>Cykl hemodynamiczny serca nazywany jest również cyklem pracy serca i jest to działanie ludzkiego serca od zakończenia jednego uderzenia serca do początku następnego. Składa się z dwóch okresów zachodzących naprzemiennie. W pierwszy okres w którym mięsień sercowy rozluźnia się i wypełnia krwią nazywany jest rozkurczem. Po nim następuje okres silnego skurczu i pompowania krwi którego nazywa się skurczem. </a:t>
+            </a:r>
+          </a:p>
+        </p:txBody>
+      </p:sp>
     </p:spTree>
     <p:extLst>
       <p:ext uri="{BB962C8B-B14F-4D97-AF65-F5344CB8AC3E}">
-        <p14:creationId xmlns:p14="http://schemas.microsoft.com/office/powerpoint/2010/main" val="4203721877"/>
+        <p14:creationId xmlns:p14="http://schemas.microsoft.com/office/powerpoint/2010/main" val="1479245927"/>
       </p:ext>
     </p:extLst>
   </p:cSld>
@@ -4309,95 +4518,60 @@
       </p:grpSpPr>
       <p:sp>
         <p:nvSpPr>
-          <p:cNvPr id="2" name="Title 1"/>
-          <p:cNvSpPr>
-            <a:spLocks noGrp="1"/>
-          </p:cNvSpPr>
-          <p:nvPr>
-            <p:ph type="title"/>
-          </p:nvPr>
-        </p:nvSpPr>
-        <p:spPr/>
-        <p:txBody>
-          <a:bodyPr/>
-          <a:lstStyle/>
-          <a:p>
-            <a:r>
-              <a:rPr lang="pl-PL" dirty="0"/>
-              <a:t>Wireframe</a:t>
-            </a:r>
-          </a:p>
-        </p:txBody>
-      </p:sp>
-      <p:sp>
-        <p:nvSpPr>
-          <p:cNvPr id="5" name="Rectangle 4"/>
-          <p:cNvSpPr/>
-          <p:nvPr/>
-        </p:nvSpPr>
-        <p:spPr>
-          <a:xfrm>
-            <a:off x="2304525" y="6228678"/>
-            <a:ext cx="4572000" cy="646331"/>
-          </a:xfrm>
-          <a:prstGeom prst="rect">
-            <a:avLst/>
-          </a:prstGeom>
-        </p:spPr>
-        <p:txBody>
-          <a:bodyPr>
-            <a:spAutoFit/>
-          </a:bodyPr>
-          <a:lstStyle/>
-          <a:p>
-            <a:r>
-              <a:rPr lang="pl-PL" dirty="0">
-                <a:hlinkClick r:id="rId2"/>
-              </a:rPr>
-              <a:t>https://www.cnet.com/how-to/how-to-track-your-heart-rate-with-a-smartphone/</a:t>
-            </a:r>
-            <a:endParaRPr lang="pl-PL" dirty="0"/>
-          </a:p>
-        </p:txBody>
-      </p:sp>
-      <p:pic>
-        <p:nvPicPr>
-          <p:cNvPr id="7" name="Content Placeholder 6">
+          <p:cNvPr id="2" name="Title 1">
             <a:extLst>
               <a:ext uri="{FF2B5EF4-FFF2-40B4-BE49-F238E27FC236}">
-                <a16:creationId xmlns:a16="http://schemas.microsoft.com/office/drawing/2014/main" id="{5B3578FE-F3EE-4F4C-881F-B6233E6A2CF3}"/>
+                <a16:creationId xmlns:a16="http://schemas.microsoft.com/office/drawing/2014/main" id="{87285E71-9051-4A38-80CF-490ADA501BCB}"/>
               </a:ext>
             </a:extLst>
           </p:cNvPr>
-          <p:cNvPicPr>
-            <a:picLocks noGrp="1" noChangeAspect="1"/>
-          </p:cNvPicPr>
+          <p:cNvSpPr>
+            <a:spLocks noGrp="1"/>
+          </p:cNvSpPr>
+          <p:nvPr>
+            <p:ph type="title"/>
+          </p:nvPr>
+        </p:nvSpPr>
+        <p:spPr/>
+        <p:txBody>
+          <a:bodyPr/>
+          <a:lstStyle/>
+          <a:p>
+            <a:endParaRPr lang="pl-PL" dirty="0"/>
+          </a:p>
+        </p:txBody>
+      </p:sp>
+      <p:sp>
+        <p:nvSpPr>
+          <p:cNvPr id="3" name="Content Placeholder 2">
+            <a:extLst>
+              <a:ext uri="{FF2B5EF4-FFF2-40B4-BE49-F238E27FC236}">
+                <a16:creationId xmlns:a16="http://schemas.microsoft.com/office/drawing/2014/main" id="{8A0B2652-DE25-41AF-8280-A06BD4AF762A}"/>
+              </a:ext>
+            </a:extLst>
+          </p:cNvPr>
+          <p:cNvSpPr>
+            <a:spLocks noGrp="1"/>
+          </p:cNvSpPr>
           <p:nvPr>
             <p:ph idx="1"/>
           </p:nvPr>
-        </p:nvPicPr>
-        <p:blipFill>
-          <a:blip r:embed="rId3"/>
-          <a:stretch>
-            <a:fillRect/>
-          </a:stretch>
-        </p:blipFill>
-        <p:spPr>
-          <a:xfrm>
-            <a:off x="755576" y="1857264"/>
-            <a:ext cx="5890998" cy="4860925"/>
-          </a:xfrm>
-          <a:prstGeom prst="rect">
-            <a:avLst/>
-          </a:prstGeom>
-        </p:spPr>
-      </p:pic>
+        </p:nvSpPr>
+        <p:spPr/>
+        <p:txBody>
+          <a:bodyPr/>
+          <a:lstStyle/>
+          <a:p>
+            <a:endParaRPr lang="pl-PL"/>
+          </a:p>
+        </p:txBody>
+      </p:sp>
       <p:pic>
         <p:nvPicPr>
-          <p:cNvPr id="8" name="Picture 7">
+          <p:cNvPr id="4" name="Content Placeholder 4">
             <a:extLst>
               <a:ext uri="{FF2B5EF4-FFF2-40B4-BE49-F238E27FC236}">
-                <a16:creationId xmlns:a16="http://schemas.microsoft.com/office/drawing/2014/main" id="{FAA7EB1F-2837-447E-BA56-B5330335DB0B}"/>
+                <a16:creationId xmlns:a16="http://schemas.microsoft.com/office/drawing/2014/main" id="{42E8C681-AF02-42E9-BFFE-62375CFD386B}"/>
               </a:ext>
             </a:extLst>
           </p:cNvPr>
@@ -4407,25 +4581,39 @@
           <p:nvPr/>
         </p:nvPicPr>
         <p:blipFill>
-          <a:blip r:embed="rId4"/>
+          <a:blip r:embed="rId2">
+            <a:extLst>
+              <a:ext uri="{28A0092B-C50C-407E-A947-70E740481C1C}">
+                <a14:useLocalDpi xmlns:a14="http://schemas.microsoft.com/office/drawing/2010/main" val="0"/>
+              </a:ext>
+            </a:extLst>
+          </a:blip>
           <a:stretch>
             <a:fillRect/>
           </a:stretch>
         </p:blipFill>
-        <p:spPr>
+        <p:spPr bwMode="auto">
           <a:xfrm>
-            <a:off x="4732049" y="1857263"/>
-            <a:ext cx="3829050" cy="4860925"/>
+            <a:off x="467544" y="-79424"/>
+            <a:ext cx="5959005" cy="13877576"/>
           </a:xfrm>
           <a:prstGeom prst="rect">
             <a:avLst/>
           </a:prstGeom>
+          <a:noFill/>
+          <a:ln w="9525">
+            <a:noFill/>
+            <a:miter lim="800000"/>
+            <a:headEnd/>
+            <a:tailEnd/>
+          </a:ln>
+          <a:effectLst/>
         </p:spPr>
       </p:pic>
     </p:spTree>
     <p:extLst>
       <p:ext uri="{BB962C8B-B14F-4D97-AF65-F5344CB8AC3E}">
-        <p14:creationId xmlns:p14="http://schemas.microsoft.com/office/powerpoint/2010/main" val="2640712866"/>
+        <p14:creationId xmlns:p14="http://schemas.microsoft.com/office/powerpoint/2010/main" val="4029931572"/>
       </p:ext>
     </p:extLst>
   </p:cSld>
@@ -4457,7 +4645,13 @@
       </p:grpSpPr>
       <p:sp>
         <p:nvSpPr>
-          <p:cNvPr id="2" name="Title 1"/>
+          <p:cNvPr id="2" name="Title 1">
+            <a:extLst>
+              <a:ext uri="{FF2B5EF4-FFF2-40B4-BE49-F238E27FC236}">
+                <a16:creationId xmlns:a16="http://schemas.microsoft.com/office/drawing/2014/main" id="{78E71BA8-CB6F-4ED6-B09B-324EF1BB733D}"/>
+              </a:ext>
+            </a:extLst>
+          </p:cNvPr>
           <p:cNvSpPr>
             <a:spLocks noGrp="1"/>
           </p:cNvSpPr>
@@ -4470,91 +4664,49 @@
           <a:bodyPr/>
           <a:lstStyle/>
           <a:p>
-            <a:r>
-              <a:rPr lang="pl-PL" dirty="0"/>
-              <a:t>Podobne aplikacje</a:t>
-            </a:r>
-          </a:p>
-        </p:txBody>
-      </p:sp>
-      <p:sp>
-        <p:nvSpPr>
-          <p:cNvPr id="5" name="Rectangle 4"/>
-          <p:cNvSpPr/>
-          <p:nvPr/>
-        </p:nvSpPr>
-        <p:spPr>
-          <a:xfrm>
-            <a:off x="827584" y="6228678"/>
-            <a:ext cx="7824155" cy="646331"/>
-          </a:xfrm>
-          <a:prstGeom prst="rect">
-            <a:avLst/>
-          </a:prstGeom>
-        </p:spPr>
-        <p:txBody>
-          <a:bodyPr wrap="square">
-            <a:spAutoFit/>
-          </a:bodyPr>
-          <a:lstStyle/>
-          <a:p>
-            <a:r>
-              <a:rPr lang="pl-PL" dirty="0">
-                <a:hlinkClick r:id="rId2"/>
-              </a:rPr>
-              <a:t>https://www.cnet.com/how-to/how-to-track-your-heart-rate-with-a-smartphone/</a:t>
-            </a:r>
-            <a:endParaRPr lang="pl-PL" dirty="0"/>
-          </a:p>
-        </p:txBody>
-      </p:sp>
-      <p:sp>
-        <p:nvSpPr>
-          <p:cNvPr id="3" name="Content Placeholder 2"/>
-          <p:cNvSpPr>
-            <a:spLocks noGrp="1"/>
-          </p:cNvSpPr>
-          <p:nvPr>
-            <p:ph idx="1"/>
-          </p:nvPr>
-        </p:nvSpPr>
-        <p:spPr/>
-        <p:txBody>
-          <a:bodyPr/>
-          <a:lstStyle/>
-          <a:p>
-            <a:endParaRPr lang="pl-PL" dirty="0"/>
+            <a:endParaRPr lang="pl-PL"/>
           </a:p>
         </p:txBody>
       </p:sp>
       <p:pic>
         <p:nvPicPr>
-          <p:cNvPr id="6" name="Picture 5"/>
+          <p:cNvPr id="5" name="Content Placeholder 4">
+            <a:extLst>
+              <a:ext uri="{FF2B5EF4-FFF2-40B4-BE49-F238E27FC236}">
+                <a16:creationId xmlns:a16="http://schemas.microsoft.com/office/drawing/2014/main" id="{8CA5A0C6-B4B5-49E2-B213-BABE7F4EDA57}"/>
+              </a:ext>
+            </a:extLst>
+          </p:cNvPr>
           <p:cNvPicPr>
-            <a:picLocks noChangeAspect="1"/>
+            <a:picLocks noGrp="1" noChangeAspect="1"/>
           </p:cNvPicPr>
-          <p:nvPr/>
+          <p:nvPr>
+            <p:ph idx="1"/>
+          </p:nvPr>
         </p:nvPicPr>
         <p:blipFill>
-          <a:blip r:embed="rId3"/>
+          <a:blip r:embed="rId3">
+            <a:extLst>
+              <a:ext uri="{28A0092B-C50C-407E-A947-70E740481C1C}">
+                <a14:useLocalDpi xmlns:a14="http://schemas.microsoft.com/office/drawing/2010/main" val="0"/>
+              </a:ext>
+            </a:extLst>
+          </a:blip>
           <a:stretch>
             <a:fillRect/>
           </a:stretch>
         </p:blipFill>
         <p:spPr>
           <a:xfrm>
-            <a:off x="633618" y="1952005"/>
-            <a:ext cx="7995692" cy="4276673"/>
+            <a:off x="499953" y="-5583568"/>
+            <a:ext cx="5355499" cy="12472106"/>
           </a:xfrm>
-          <a:prstGeom prst="rect">
-            <a:avLst/>
-          </a:prstGeom>
         </p:spPr>
       </p:pic>
     </p:spTree>
     <p:extLst>
       <p:ext uri="{BB962C8B-B14F-4D97-AF65-F5344CB8AC3E}">
-        <p14:creationId xmlns:p14="http://schemas.microsoft.com/office/powerpoint/2010/main" val="765878213"/>
+        <p14:creationId xmlns:p14="http://schemas.microsoft.com/office/powerpoint/2010/main" val="1446275775"/>
       </p:ext>
     </p:extLst>
   </p:cSld>
@@ -4601,7 +4753,7 @@
           <a:p>
             <a:r>
               <a:rPr lang="pl-PL" dirty="0"/>
-              <a:t>Symulacja pracy Serca</a:t>
+              <a:t>Symulacja pracy serca</a:t>
             </a:r>
           </a:p>
         </p:txBody>
@@ -4624,7 +4776,7 @@
         </p:blipFill>
         <p:spPr>
           <a:xfrm>
-            <a:off x="1096352" y="1881189"/>
+            <a:off x="1096352" y="2132856"/>
             <a:ext cx="7454533" cy="4356124"/>
           </a:xfrm>
           <a:prstGeom prst="rect">
@@ -4632,37 +4784,6 @@
           </a:prstGeom>
         </p:spPr>
       </p:pic>
-      <p:sp>
-        <p:nvSpPr>
-          <p:cNvPr id="5" name="Rectangle 4"/>
-          <p:cNvSpPr/>
-          <p:nvPr/>
-        </p:nvSpPr>
-        <p:spPr>
-          <a:xfrm>
-            <a:off x="1616993" y="6318612"/>
-            <a:ext cx="6413249" cy="369332"/>
-          </a:xfrm>
-          <a:prstGeom prst="rect">
-            <a:avLst/>
-          </a:prstGeom>
-        </p:spPr>
-        <p:txBody>
-          <a:bodyPr wrap="square">
-            <a:spAutoFit/>
-          </a:bodyPr>
-          <a:lstStyle/>
-          <a:p>
-            <a:r>
-              <a:rPr lang="pl-PL" dirty="0">
-                <a:hlinkClick r:id="rId3"/>
-              </a:rPr>
-              <a:t>https://blog.kitware.com/pulse-physiology-2-2-0-release/</a:t>
-            </a:r>
-            <a:endParaRPr lang="pl-PL" dirty="0"/>
-          </a:p>
-        </p:txBody>
-      </p:sp>
     </p:spTree>
     <p:extLst>
       <p:ext uri="{BB962C8B-B14F-4D97-AF65-F5344CB8AC3E}">
@@ -4698,7 +4819,13 @@
       </p:grpSpPr>
       <p:sp>
         <p:nvSpPr>
-          <p:cNvPr id="2" name="Title 1"/>
+          <p:cNvPr id="2" name="Title 1">
+            <a:extLst>
+              <a:ext uri="{FF2B5EF4-FFF2-40B4-BE49-F238E27FC236}">
+                <a16:creationId xmlns:a16="http://schemas.microsoft.com/office/drawing/2014/main" id="{DDE1F685-4357-4914-8D43-9C82EC377C7E}"/>
+              </a:ext>
+            </a:extLst>
+          </p:cNvPr>
           <p:cNvSpPr>
             <a:spLocks noGrp="1"/>
           </p:cNvSpPr>
@@ -4712,15 +4839,22 @@
           <a:lstStyle/>
           <a:p>
             <a:r>
-              <a:rPr lang="pl-PL" dirty="0"/>
-              <a:t>Cele pracy dyplomowej</a:t>
-            </a:r>
-          </a:p>
-        </p:txBody>
-      </p:sp>
-      <p:sp>
-        <p:nvSpPr>
-          <p:cNvPr id="3" name="Content Placeholder 2"/>
+              <a:rPr lang="pl-PL" b="0" dirty="0"/>
+              <a:t>Skróty</a:t>
+            </a:r>
+            <a:endParaRPr lang="pl-PL" dirty="0"/>
+          </a:p>
+        </p:txBody>
+      </p:sp>
+      <p:sp>
+        <p:nvSpPr>
+          <p:cNvPr id="3" name="Content Placeholder 2">
+            <a:extLst>
+              <a:ext uri="{FF2B5EF4-FFF2-40B4-BE49-F238E27FC236}">
+                <a16:creationId xmlns:a16="http://schemas.microsoft.com/office/drawing/2014/main" id="{1E740187-D0FB-4317-B300-77F25EA88C5B}"/>
+              </a:ext>
+            </a:extLst>
+          </p:cNvPr>
           <p:cNvSpPr>
             <a:spLocks noGrp="1"/>
           </p:cNvSpPr>
@@ -4733,48 +4867,83 @@
           <a:bodyPr/>
           <a:lstStyle/>
           <a:p>
-            <a:pPr marL="514350" indent="-514350">
-              <a:buFont typeface="+mj-lt"/>
-              <a:buAutoNum type="arabicPeriod"/>
-            </a:pPr>
+            <a:r>
+              <a:rPr lang="pl-PL" dirty="0"/>
+              <a:t>ECG: </a:t>
+            </a:r>
+            <a:r>
+              <a:rPr lang="pl-PL" sz="2500" dirty="0"/>
+              <a:t>Elektrokardiografia</a:t>
+            </a:r>
+          </a:p>
+          <a:p>
+            <a:r>
+              <a:rPr lang="pl-PL" dirty="0"/>
+              <a:t>ABP: </a:t>
+            </a:r>
+            <a:r>
+              <a:rPr lang="pl-PL" sz="2500" dirty="0"/>
+              <a:t>Ambulatoryjne monitorowanie ciśnienia krwi</a:t>
+            </a:r>
+          </a:p>
+          <a:p>
+            <a:r>
+              <a:rPr lang="pl-PL" dirty="0"/>
+              <a:t>Kapnografia: </a:t>
+            </a:r>
+            <a:r>
+              <a:rPr lang="pl-PL" sz="2500" dirty="0"/>
+              <a:t>monitorowanie stężenia lub ciśnienia cząstkowego dwutlenku węgla</a:t>
+            </a:r>
+          </a:p>
+          <a:p>
+            <a:r>
+              <a:rPr lang="pl-PL" dirty="0"/>
+              <a:t>SpO2:</a:t>
+            </a:r>
+            <a:r>
+              <a:rPr lang="pl-PL" sz="2500" dirty="0"/>
+              <a:t> wartość tętniczej saturacji tlenem. Odnosi się również do ilości hemoglobiny we krwi.</a:t>
+            </a:r>
+          </a:p>
+          <a:p>
+            <a:r>
+              <a:rPr lang="pl-PL" dirty="0"/>
+              <a:t>ETCO2: </a:t>
+            </a:r>
+            <a:r>
+              <a:rPr lang="pl-PL" sz="2500" dirty="0"/>
+              <a:t>poziom dwutlenku węgla uwalnianego pod koniec rozkurczu</a:t>
+            </a:r>
+          </a:p>
+          <a:p>
+            <a:r>
+              <a:rPr lang="pl-PL" dirty="0"/>
+              <a:t>AWRR: </a:t>
+            </a:r>
+            <a:r>
+              <a:rPr lang="pl-PL" sz="2500" dirty="0"/>
+              <a:t>częstotliwość dróg oddechowych</a:t>
+            </a:r>
+          </a:p>
+          <a:p>
+            <a:endParaRPr lang="pl-PL" sz="2500" dirty="0"/>
+          </a:p>
+          <a:p>
             <a:endParaRPr lang="pl-PL" dirty="0"/>
           </a:p>
           <a:p>
-            <a:pPr marL="514350" indent="-514350">
-              <a:buFont typeface="+mj-lt"/>
-              <a:buAutoNum type="arabicPeriod"/>
-            </a:pPr>
-            <a:r>
-              <a:rPr lang="pl-PL" dirty="0"/>
-              <a:t>Cele teoretyczne i poznawcze</a:t>
-            </a:r>
-          </a:p>
-          <a:p>
-            <a:pPr marL="514350" indent="-514350">
-              <a:buFont typeface="+mj-lt"/>
-              <a:buAutoNum type="arabicPeriod"/>
-            </a:pPr>
-            <a:r>
-              <a:rPr lang="pl-PL" dirty="0"/>
-              <a:t>Cele praktyczne</a:t>
-            </a:r>
-          </a:p>
-          <a:p>
-            <a:pPr marL="514350" indent="-514350">
-              <a:buFont typeface="+mj-lt"/>
-              <a:buAutoNum type="arabicPeriod"/>
-            </a:pPr>
-            <a:r>
-              <a:rPr lang="pl-PL" dirty="0"/>
-              <a:t>Cele metodologiczne</a:t>
-            </a:r>
+            <a:endParaRPr lang="pl-PL" dirty="0"/>
+          </a:p>
+          <a:p>
+            <a:endParaRPr lang="pl-PL" dirty="0"/>
           </a:p>
         </p:txBody>
       </p:sp>
     </p:spTree>
     <p:extLst>
       <p:ext uri="{BB962C8B-B14F-4D97-AF65-F5344CB8AC3E}">
-        <p14:creationId xmlns:p14="http://schemas.microsoft.com/office/powerpoint/2010/main" val="2189098860"/>
+        <p14:creationId xmlns:p14="http://schemas.microsoft.com/office/powerpoint/2010/main" val="2250776690"/>
       </p:ext>
     </p:extLst>
   </p:cSld>
@@ -5052,4 +5221,299 @@
     </a:extraClrScheme>
   </a:extraClrSchemeLst>
 </a:theme>
+</file>
+
+<file path=ppt/theme/theme2.xml><?xml version="1.0" encoding="utf-8"?>
+<a:theme xmlns:a="http://schemas.openxmlformats.org/drawingml/2006/main" name="Office Theme">
+  <a:themeElements>
+    <a:clrScheme name="Office">
+      <a:dk1>
+        <a:sysClr val="windowText" lastClr="000000"/>
+      </a:dk1>
+      <a:lt1>
+        <a:sysClr val="window" lastClr="FFFFFF"/>
+      </a:lt1>
+      <a:dk2>
+        <a:srgbClr val="44546A"/>
+      </a:dk2>
+      <a:lt2>
+        <a:srgbClr val="E7E6E6"/>
+      </a:lt2>
+      <a:accent1>
+        <a:srgbClr val="4472C4"/>
+      </a:accent1>
+      <a:accent2>
+        <a:srgbClr val="ED7D31"/>
+      </a:accent2>
+      <a:accent3>
+        <a:srgbClr val="A5A5A5"/>
+      </a:accent3>
+      <a:accent4>
+        <a:srgbClr val="FFC000"/>
+      </a:accent4>
+      <a:accent5>
+        <a:srgbClr val="5B9BD5"/>
+      </a:accent5>
+      <a:accent6>
+        <a:srgbClr val="70AD47"/>
+      </a:accent6>
+      <a:hlink>
+        <a:srgbClr val="0563C1"/>
+      </a:hlink>
+      <a:folHlink>
+        <a:srgbClr val="954F72"/>
+      </a:folHlink>
+    </a:clrScheme>
+    <a:fontScheme name="Office">
+      <a:majorFont>
+        <a:latin typeface="Calibri Light" panose="020F0302020204030204"/>
+        <a:ea typeface=""/>
+        <a:cs typeface=""/>
+        <a:font script="Jpan" typeface="游ゴシック Light"/>
+        <a:font script="Hang" typeface="맑은 고딕"/>
+        <a:font script="Hans" typeface="等线 Light"/>
+        <a:font script="Hant" typeface="新細明體"/>
+        <a:font script="Arab" typeface="Times New Roman"/>
+        <a:font script="Hebr" typeface="Times New Roman"/>
+        <a:font script="Thai" typeface="Angsana New"/>
+        <a:font script="Ethi" typeface="Nyala"/>
+        <a:font script="Beng" typeface="Vrinda"/>
+        <a:font script="Gujr" typeface="Shruti"/>
+        <a:font script="Khmr" typeface="MoolBoran"/>
+        <a:font script="Knda" typeface="Tunga"/>
+        <a:font script="Guru" typeface="Raavi"/>
+        <a:font script="Cans" typeface="Euphemia"/>
+        <a:font script="Cher" typeface="Plantagenet Cherokee"/>
+        <a:font script="Yiii" typeface="Microsoft Yi Baiti"/>
+        <a:font script="Tibt" typeface="Microsoft Himalaya"/>
+        <a:font script="Thaa" typeface="MV Boli"/>
+        <a:font script="Deva" typeface="Mangal"/>
+        <a:font script="Telu" typeface="Gautami"/>
+        <a:font script="Taml" typeface="Latha"/>
+        <a:font script="Syrc" typeface="Estrangelo Edessa"/>
+        <a:font script="Orya" typeface="Kalinga"/>
+        <a:font script="Mlym" typeface="Kartika"/>
+        <a:font script="Laoo" typeface="DokChampa"/>
+        <a:font script="Sinh" typeface="Iskoola Pota"/>
+        <a:font script="Mong" typeface="Mongolian Baiti"/>
+        <a:font script="Viet" typeface="Times New Roman"/>
+        <a:font script="Uigh" typeface="Microsoft Uighur"/>
+        <a:font script="Geor" typeface="Sylfaen"/>
+        <a:font script="Armn" typeface="Arial"/>
+        <a:font script="Bugi" typeface="Leelawadee UI"/>
+        <a:font script="Bopo" typeface="Microsoft JhengHei"/>
+        <a:font script="Java" typeface="Javanese Text"/>
+        <a:font script="Lisu" typeface="Segoe UI"/>
+        <a:font script="Mymr" typeface="Myanmar Text"/>
+        <a:font script="Nkoo" typeface="Ebrima"/>
+        <a:font script="Olck" typeface="Nirmala UI"/>
+        <a:font script="Osma" typeface="Ebrima"/>
+        <a:font script="Phag" typeface="Phagspa"/>
+        <a:font script="Syrn" typeface="Estrangelo Edessa"/>
+        <a:font script="Syrj" typeface="Estrangelo Edessa"/>
+        <a:font script="Syre" typeface="Estrangelo Edessa"/>
+        <a:font script="Sora" typeface="Nirmala UI"/>
+        <a:font script="Tale" typeface="Microsoft Tai Le"/>
+        <a:font script="Talu" typeface="Microsoft New Tai Lue"/>
+        <a:font script="Tfng" typeface="Ebrima"/>
+      </a:majorFont>
+      <a:minorFont>
+        <a:latin typeface="Calibri" panose="020F0502020204030204"/>
+        <a:ea typeface=""/>
+        <a:cs typeface=""/>
+        <a:font script="Jpan" typeface="游ゴシック"/>
+        <a:font script="Hang" typeface="맑은 고딕"/>
+        <a:font script="Hans" typeface="等线"/>
+        <a:font script="Hant" typeface="新細明體"/>
+        <a:font script="Arab" typeface="Arial"/>
+        <a:font script="Hebr" typeface="Arial"/>
+        <a:font script="Thai" typeface="Cordia New"/>
+        <a:font script="Ethi" typeface="Nyala"/>
+        <a:font script="Beng" typeface="Vrinda"/>
+        <a:font script="Gujr" typeface="Shruti"/>
+        <a:font script="Khmr" typeface="DaunPenh"/>
+        <a:font script="Knda" typeface="Tunga"/>
+        <a:font script="Guru" typeface="Raavi"/>
+        <a:font script="Cans" typeface="Euphemia"/>
+        <a:font script="Cher" typeface="Plantagenet Cherokee"/>
+        <a:font script="Yiii" typeface="Microsoft Yi Baiti"/>
+        <a:font script="Tibt" typeface="Microsoft Himalaya"/>
+        <a:font script="Thaa" typeface="MV Boli"/>
+        <a:font script="Deva" typeface="Mangal"/>
+        <a:font script="Telu" typeface="Gautami"/>
+        <a:font script="Taml" typeface="Latha"/>
+        <a:font script="Syrc" typeface="Estrangelo Edessa"/>
+        <a:font script="Orya" typeface="Kalinga"/>
+        <a:font script="Mlym" typeface="Kartika"/>
+        <a:font script="Laoo" typeface="DokChampa"/>
+        <a:font script="Sinh" typeface="Iskoola Pota"/>
+        <a:font script="Mong" typeface="Mongolian Baiti"/>
+        <a:font script="Viet" typeface="Arial"/>
+        <a:font script="Uigh" typeface="Microsoft Uighur"/>
+        <a:font script="Geor" typeface="Sylfaen"/>
+        <a:font script="Armn" typeface="Arial"/>
+        <a:font script="Bugi" typeface="Leelawadee UI"/>
+        <a:font script="Bopo" typeface="Microsoft JhengHei"/>
+        <a:font script="Java" typeface="Javanese Text"/>
+        <a:font script="Lisu" typeface="Segoe UI"/>
+        <a:font script="Mymr" typeface="Myanmar Text"/>
+        <a:font script="Nkoo" typeface="Ebrima"/>
+        <a:font script="Olck" typeface="Nirmala UI"/>
+        <a:font script="Osma" typeface="Ebrima"/>
+        <a:font script="Phag" typeface="Phagspa"/>
+        <a:font script="Syrn" typeface="Estrangelo Edessa"/>
+        <a:font script="Syrj" typeface="Estrangelo Edessa"/>
+        <a:font script="Syre" typeface="Estrangelo Edessa"/>
+        <a:font script="Sora" typeface="Nirmala UI"/>
+        <a:font script="Tale" typeface="Microsoft Tai Le"/>
+        <a:font script="Talu" typeface="Microsoft New Tai Lue"/>
+        <a:font script="Tfng" typeface="Ebrima"/>
+      </a:minorFont>
+    </a:fontScheme>
+    <a:fmtScheme name="Office">
+      <a:fillStyleLst>
+        <a:solidFill>
+          <a:schemeClr val="phClr"/>
+        </a:solidFill>
+        <a:gradFill rotWithShape="1">
+          <a:gsLst>
+            <a:gs pos="0">
+              <a:schemeClr val="phClr">
+                <a:lumMod val="110000"/>
+                <a:satMod val="105000"/>
+                <a:tint val="67000"/>
+              </a:schemeClr>
+            </a:gs>
+            <a:gs pos="50000">
+              <a:schemeClr val="phClr">
+                <a:lumMod val="105000"/>
+                <a:satMod val="103000"/>
+                <a:tint val="73000"/>
+              </a:schemeClr>
+            </a:gs>
+            <a:gs pos="100000">
+              <a:schemeClr val="phClr">
+                <a:lumMod val="105000"/>
+                <a:satMod val="109000"/>
+                <a:tint val="81000"/>
+              </a:schemeClr>
+            </a:gs>
+          </a:gsLst>
+          <a:lin ang="5400000" scaled="0"/>
+        </a:gradFill>
+        <a:gradFill rotWithShape="1">
+          <a:gsLst>
+            <a:gs pos="0">
+              <a:schemeClr val="phClr">
+                <a:satMod val="103000"/>
+                <a:lumMod val="102000"/>
+                <a:tint val="94000"/>
+              </a:schemeClr>
+            </a:gs>
+            <a:gs pos="50000">
+              <a:schemeClr val="phClr">
+                <a:satMod val="110000"/>
+                <a:lumMod val="100000"/>
+                <a:shade val="100000"/>
+              </a:schemeClr>
+            </a:gs>
+            <a:gs pos="100000">
+              <a:schemeClr val="phClr">
+                <a:lumMod val="99000"/>
+                <a:satMod val="120000"/>
+                <a:shade val="78000"/>
+              </a:schemeClr>
+            </a:gs>
+          </a:gsLst>
+          <a:lin ang="5400000" scaled="0"/>
+        </a:gradFill>
+      </a:fillStyleLst>
+      <a:lnStyleLst>
+        <a:ln w="6350" cap="flat" cmpd="sng" algn="ctr">
+          <a:solidFill>
+            <a:schemeClr val="phClr"/>
+          </a:solidFill>
+          <a:prstDash val="solid"/>
+          <a:miter lim="800000"/>
+        </a:ln>
+        <a:ln w="12700" cap="flat" cmpd="sng" algn="ctr">
+          <a:solidFill>
+            <a:schemeClr val="phClr"/>
+          </a:solidFill>
+          <a:prstDash val="solid"/>
+          <a:miter lim="800000"/>
+        </a:ln>
+        <a:ln w="19050" cap="flat" cmpd="sng" algn="ctr">
+          <a:solidFill>
+            <a:schemeClr val="phClr"/>
+          </a:solidFill>
+          <a:prstDash val="solid"/>
+          <a:miter lim="800000"/>
+        </a:ln>
+      </a:lnStyleLst>
+      <a:effectStyleLst>
+        <a:effectStyle>
+          <a:effectLst/>
+        </a:effectStyle>
+        <a:effectStyle>
+          <a:effectLst/>
+        </a:effectStyle>
+        <a:effectStyle>
+          <a:effectLst>
+            <a:outerShdw blurRad="57150" dist="19050" dir="5400000" algn="ctr" rotWithShape="0">
+              <a:srgbClr val="000000">
+                <a:alpha val="63000"/>
+              </a:srgbClr>
+            </a:outerShdw>
+          </a:effectLst>
+        </a:effectStyle>
+      </a:effectStyleLst>
+      <a:bgFillStyleLst>
+        <a:solidFill>
+          <a:schemeClr val="phClr"/>
+        </a:solidFill>
+        <a:solidFill>
+          <a:schemeClr val="phClr">
+            <a:tint val="95000"/>
+            <a:satMod val="170000"/>
+          </a:schemeClr>
+        </a:solidFill>
+        <a:gradFill rotWithShape="1">
+          <a:gsLst>
+            <a:gs pos="0">
+              <a:schemeClr val="phClr">
+                <a:tint val="93000"/>
+                <a:satMod val="150000"/>
+                <a:shade val="98000"/>
+                <a:lumMod val="102000"/>
+              </a:schemeClr>
+            </a:gs>
+            <a:gs pos="50000">
+              <a:schemeClr val="phClr">
+                <a:tint val="98000"/>
+                <a:satMod val="130000"/>
+                <a:shade val="90000"/>
+                <a:lumMod val="103000"/>
+              </a:schemeClr>
+            </a:gs>
+            <a:gs pos="100000">
+              <a:schemeClr val="phClr">
+                <a:shade val="63000"/>
+                <a:satMod val="120000"/>
+              </a:schemeClr>
+            </a:gs>
+          </a:gsLst>
+          <a:lin ang="5400000" scaled="0"/>
+        </a:gradFill>
+      </a:bgFillStyleLst>
+    </a:fmtScheme>
+  </a:themeElements>
+  <a:objectDefaults/>
+  <a:extraClrSchemeLst/>
+  <a:extLst>
+    <a:ext uri="{05A4C25C-085E-4340-85A3-A5531E510DB2}">
+      <thm15:themeFamily xmlns:thm15="http://schemas.microsoft.com/office/thememl/2012/main" name="Office Theme" id="{62F939B6-93AF-4DB8-9C6B-D6C7DFDC589F}" vid="{4A3C46E8-61CC-4603-A589-7422A47A8E4A}"/>
+    </a:ext>
+  </a:extLst>
+</a:theme>
 </file>